--- a/PPT/중간프로젝트 기획안 _ (2팀)_20230402_SeokwonNa.pptx
+++ b/PPT/중간프로젝트 기획안 _ (2팀)_20230402_SeokwonNa.pptx
@@ -5,7 +5,7 @@
     <p:sldMasterId id="2147483648" r:id="rId1"/>
   </p:sldMasterIdLst>
   <p:notesMasterIdLst>
-    <p:notesMasterId r:id="rId9"/>
+    <p:notesMasterId r:id="rId10"/>
   </p:notesMasterIdLst>
   <p:sldIdLst>
     <p:sldId id="302" r:id="rId2"/>
@@ -13,16 +13,17 @@
     <p:sldId id="305" r:id="rId4"/>
     <p:sldId id="363" r:id="rId5"/>
     <p:sldId id="364" r:id="rId6"/>
-    <p:sldId id="365" r:id="rId7"/>
-    <p:sldId id="360" r:id="rId8"/>
+    <p:sldId id="366" r:id="rId7"/>
+    <p:sldId id="365" r:id="rId8"/>
+    <p:sldId id="360" r:id="rId9"/>
   </p:sldIdLst>
   <p:sldSz cx="9144000" cy="6858000" type="screen4x3"/>
   <p:notesSz cx="6858000" cy="9144000"/>
   <p:embeddedFontLst>
     <p:embeddedFont>
-      <p:font typeface="맑은 고딕" panose="020B0503020000020004" pitchFamily="50" charset="-127"/>
-      <p:regular r:id="rId10"/>
-      <p:bold r:id="rId11"/>
+      <p:font typeface="맑은 고딕" pitchFamily="50" charset="-127"/>
+      <p:regular r:id="rId11"/>
+      <p:bold r:id="rId12"/>
     </p:embeddedFont>
   </p:embeddedFontLst>
   <p:defaultTextStyle>
@@ -152,7 +153,7 @@
   </p:defaultTextStyle>
   <p:extLst>
     <p:ext uri="{EFAFB233-063F-42B5-8137-9DF3F51BA10A}">
-      <p15:sldGuideLst xmlns:p15="http://schemas.microsoft.com/office/powerpoint/2012/main">
+      <p15:sldGuideLst xmlns:p15="http://schemas.microsoft.com/office/powerpoint/2012/main" xmlns="">
         <p15:guide id="1" orient="horz" pos="2160">
           <p15:clr>
             <a:srgbClr val="A4A3A4"/>
@@ -281,7 +282,7 @@
               <a:pPr>
                 <a:defRPr/>
               </a:pPr>
-              <a:t>2023-04-03</a:t>
+              <a:t>2023-04-05</a:t>
             </a:fld>
             <a:endParaRPr lang="ko-KR" altLang="en-US"/>
           </a:p>
@@ -476,7 +477,7 @@
     </p:spTree>
     <p:extLst>
       <p:ext uri="{BB962C8B-B14F-4D97-AF65-F5344CB8AC3E}">
-        <p14:creationId xmlns:p14="http://schemas.microsoft.com/office/powerpoint/2010/main" val="2298300096"/>
+        <p14:creationId xmlns:p14="http://schemas.microsoft.com/office/powerpoint/2010/main" xmlns="" val="2298300096"/>
       </p:ext>
     </p:extLst>
   </p:cSld>
@@ -795,7 +796,7 @@
               <a:pPr>
                 <a:defRPr/>
               </a:pPr>
-              <a:t>2023-04-03</a:t>
+              <a:t>2023-04-05</a:t>
             </a:fld>
             <a:endParaRPr lang="ko-KR" altLang="en-US"/>
           </a:p>
@@ -863,7 +864,7 @@
     </p:spTree>
     <p:extLst>
       <p:ext uri="{BB962C8B-B14F-4D97-AF65-F5344CB8AC3E}">
-        <p14:creationId xmlns:p14="http://schemas.microsoft.com/office/powerpoint/2010/main" val="3636223116"/>
+        <p14:creationId xmlns:p14="http://schemas.microsoft.com/office/powerpoint/2010/main" xmlns="" val="3636223116"/>
       </p:ext>
     </p:extLst>
   </p:cSld>
@@ -990,7 +991,7 @@
               <a:pPr>
                 <a:defRPr/>
               </a:pPr>
-              <a:t>2023-04-03</a:t>
+              <a:t>2023-04-05</a:t>
             </a:fld>
             <a:endParaRPr lang="ko-KR" altLang="en-US"/>
           </a:p>
@@ -1058,7 +1059,7 @@
     </p:spTree>
     <p:extLst>
       <p:ext uri="{BB962C8B-B14F-4D97-AF65-F5344CB8AC3E}">
-        <p14:creationId xmlns:p14="http://schemas.microsoft.com/office/powerpoint/2010/main" val="1923301270"/>
+        <p14:creationId xmlns:p14="http://schemas.microsoft.com/office/powerpoint/2010/main" xmlns="" val="1923301270"/>
       </p:ext>
     </p:extLst>
   </p:cSld>
@@ -1195,7 +1196,7 @@
               <a:pPr>
                 <a:defRPr/>
               </a:pPr>
-              <a:t>2023-04-03</a:t>
+              <a:t>2023-04-05</a:t>
             </a:fld>
             <a:endParaRPr lang="ko-KR" altLang="en-US"/>
           </a:p>
@@ -1263,7 +1264,7 @@
     </p:spTree>
     <p:extLst>
       <p:ext uri="{BB962C8B-B14F-4D97-AF65-F5344CB8AC3E}">
-        <p14:creationId xmlns:p14="http://schemas.microsoft.com/office/powerpoint/2010/main" val="3408806277"/>
+        <p14:creationId xmlns:p14="http://schemas.microsoft.com/office/powerpoint/2010/main" xmlns="" val="3408806277"/>
       </p:ext>
     </p:extLst>
   </p:cSld>
@@ -1390,7 +1391,7 @@
               <a:pPr>
                 <a:defRPr/>
               </a:pPr>
-              <a:t>2023-04-03</a:t>
+              <a:t>2023-04-05</a:t>
             </a:fld>
             <a:endParaRPr lang="ko-KR" altLang="en-US"/>
           </a:p>
@@ -1458,7 +1459,7 @@
     </p:spTree>
     <p:extLst>
       <p:ext uri="{BB962C8B-B14F-4D97-AF65-F5344CB8AC3E}">
-        <p14:creationId xmlns:p14="http://schemas.microsoft.com/office/powerpoint/2010/main" val="1549668477"/>
+        <p14:creationId xmlns:p14="http://schemas.microsoft.com/office/powerpoint/2010/main" xmlns="" val="1549668477"/>
       </p:ext>
     </p:extLst>
   </p:cSld>
@@ -1662,7 +1663,7 @@
               <a:pPr>
                 <a:defRPr/>
               </a:pPr>
-              <a:t>2023-04-03</a:t>
+              <a:t>2023-04-05</a:t>
             </a:fld>
             <a:endParaRPr lang="ko-KR" altLang="en-US"/>
           </a:p>
@@ -1730,7 +1731,7 @@
     </p:spTree>
     <p:extLst>
       <p:ext uri="{BB962C8B-B14F-4D97-AF65-F5344CB8AC3E}">
-        <p14:creationId xmlns:p14="http://schemas.microsoft.com/office/powerpoint/2010/main" val="1083808973"/>
+        <p14:creationId xmlns:p14="http://schemas.microsoft.com/office/powerpoint/2010/main" xmlns="" val="1083808973"/>
       </p:ext>
     </p:extLst>
   </p:cSld>
@@ -1974,7 +1975,7 @@
               <a:pPr>
                 <a:defRPr/>
               </a:pPr>
-              <a:t>2023-04-03</a:t>
+              <a:t>2023-04-05</a:t>
             </a:fld>
             <a:endParaRPr lang="ko-KR" altLang="en-US"/>
           </a:p>
@@ -2042,7 +2043,7 @@
     </p:spTree>
     <p:extLst>
       <p:ext uri="{BB962C8B-B14F-4D97-AF65-F5344CB8AC3E}">
-        <p14:creationId xmlns:p14="http://schemas.microsoft.com/office/powerpoint/2010/main" val="3910854368"/>
+        <p14:creationId xmlns:p14="http://schemas.microsoft.com/office/powerpoint/2010/main" xmlns="" val="3910854368"/>
       </p:ext>
     </p:extLst>
   </p:cSld>
@@ -2420,7 +2421,7 @@
               <a:pPr>
                 <a:defRPr/>
               </a:pPr>
-              <a:t>2023-04-03</a:t>
+              <a:t>2023-04-05</a:t>
             </a:fld>
             <a:endParaRPr lang="ko-KR" altLang="en-US"/>
           </a:p>
@@ -2488,7 +2489,7 @@
     </p:spTree>
     <p:extLst>
       <p:ext uri="{BB962C8B-B14F-4D97-AF65-F5344CB8AC3E}">
-        <p14:creationId xmlns:p14="http://schemas.microsoft.com/office/powerpoint/2010/main" val="4223930405"/>
+        <p14:creationId xmlns:p14="http://schemas.microsoft.com/office/powerpoint/2010/main" xmlns="" val="4223930405"/>
       </p:ext>
     </p:extLst>
   </p:cSld>
@@ -2564,7 +2565,7 @@
               <a:pPr>
                 <a:defRPr/>
               </a:pPr>
-              <a:t>2023-04-03</a:t>
+              <a:t>2023-04-05</a:t>
             </a:fld>
             <a:endParaRPr lang="ko-KR" altLang="en-US"/>
           </a:p>
@@ -2632,7 +2633,7 @@
     </p:spTree>
     <p:extLst>
       <p:ext uri="{BB962C8B-B14F-4D97-AF65-F5344CB8AC3E}">
-        <p14:creationId xmlns:p14="http://schemas.microsoft.com/office/powerpoint/2010/main" val="418365225"/>
+        <p14:creationId xmlns:p14="http://schemas.microsoft.com/office/powerpoint/2010/main" xmlns="" val="418365225"/>
       </p:ext>
     </p:extLst>
   </p:cSld>
@@ -2779,7 +2780,7 @@
           <a:blip r:embed="rId2" cstate="print">
             <a:extLst>
               <a:ext uri="{28A0092B-C50C-407E-A947-70E740481C1C}">
-                <a14:useLocalDpi xmlns:a14="http://schemas.microsoft.com/office/drawing/2010/main" val="0"/>
+                <a14:useLocalDpi xmlns:a14="http://schemas.microsoft.com/office/drawing/2010/main" xmlns="" val="0"/>
               </a:ext>
             </a:extLst>
           </a:blip>
@@ -2800,7 +2801,7 @@
     </p:spTree>
     <p:extLst>
       <p:ext uri="{BB962C8B-B14F-4D97-AF65-F5344CB8AC3E}">
-        <p14:creationId xmlns:p14="http://schemas.microsoft.com/office/powerpoint/2010/main" val="3368593078"/>
+        <p14:creationId xmlns:p14="http://schemas.microsoft.com/office/powerpoint/2010/main" xmlns="" val="3368593078"/>
       </p:ext>
     </p:extLst>
   </p:cSld>
@@ -3034,7 +3035,7 @@
               <a:pPr>
                 <a:defRPr/>
               </a:pPr>
-              <a:t>2023-04-03</a:t>
+              <a:t>2023-04-05</a:t>
             </a:fld>
             <a:endParaRPr lang="ko-KR" altLang="en-US"/>
           </a:p>
@@ -3102,7 +3103,7 @@
     </p:spTree>
     <p:extLst>
       <p:ext uri="{BB962C8B-B14F-4D97-AF65-F5344CB8AC3E}">
-        <p14:creationId xmlns:p14="http://schemas.microsoft.com/office/powerpoint/2010/main" val="1438917134"/>
+        <p14:creationId xmlns:p14="http://schemas.microsoft.com/office/powerpoint/2010/main" xmlns="" val="1438917134"/>
       </p:ext>
     </p:extLst>
   </p:cSld>
@@ -3316,7 +3317,7 @@
               <a:pPr>
                 <a:defRPr/>
               </a:pPr>
-              <a:t>2023-04-03</a:t>
+              <a:t>2023-04-05</a:t>
             </a:fld>
             <a:endParaRPr lang="ko-KR" altLang="en-US"/>
           </a:p>
@@ -3384,7 +3385,7 @@
     </p:spTree>
     <p:extLst>
       <p:ext uri="{BB962C8B-B14F-4D97-AF65-F5344CB8AC3E}">
-        <p14:creationId xmlns:p14="http://schemas.microsoft.com/office/powerpoint/2010/main" val="344758488"/>
+        <p14:creationId xmlns:p14="http://schemas.microsoft.com/office/powerpoint/2010/main" xmlns="" val="344758488"/>
       </p:ext>
     </p:extLst>
   </p:cSld>
@@ -3443,14 +3444,14 @@
           </a:ln>
           <a:extLst>
             <a:ext uri="{909E8E84-426E-40DD-AFC4-6F175D3DCCD1}">
-              <a14:hiddenFill xmlns:a14="http://schemas.microsoft.com/office/drawing/2010/main">
+              <a14:hiddenFill xmlns:a14="http://schemas.microsoft.com/office/drawing/2010/main" xmlns="">
                 <a:solidFill>
                   <a:srgbClr val="FFFFFF"/>
                 </a:solidFill>
               </a14:hiddenFill>
             </a:ext>
             <a:ext uri="{91240B29-F687-4F45-9708-019B960494DF}">
-              <a14:hiddenLine xmlns:a14="http://schemas.microsoft.com/office/drawing/2010/main" w="9525">
+              <a14:hiddenLine xmlns:a14="http://schemas.microsoft.com/office/drawing/2010/main" xmlns="" w="9525">
                 <a:solidFill>
                   <a:srgbClr val="000000"/>
                 </a:solidFill>
@@ -3501,14 +3502,14 @@
           </a:ln>
           <a:extLst>
             <a:ext uri="{909E8E84-426E-40DD-AFC4-6F175D3DCCD1}">
-              <a14:hiddenFill xmlns:a14="http://schemas.microsoft.com/office/drawing/2010/main">
+              <a14:hiddenFill xmlns:a14="http://schemas.microsoft.com/office/drawing/2010/main" xmlns="">
                 <a:solidFill>
                   <a:srgbClr val="FFFFFF"/>
                 </a:solidFill>
               </a14:hiddenFill>
             </a:ext>
             <a:ext uri="{91240B29-F687-4F45-9708-019B960494DF}">
-              <a14:hiddenLine xmlns:a14="http://schemas.microsoft.com/office/drawing/2010/main" w="9525">
+              <a14:hiddenLine xmlns:a14="http://schemas.microsoft.com/office/drawing/2010/main" xmlns="" w="9525">
                 <a:solidFill>
                   <a:srgbClr val="000000"/>
                 </a:solidFill>
@@ -3612,7 +3613,7 @@
               <a:pPr>
                 <a:defRPr/>
               </a:pPr>
-              <a:t>2023-04-03</a:t>
+              <a:t>2023-04-05</a:t>
             </a:fld>
             <a:endParaRPr lang="ko-KR" altLang="en-US"/>
           </a:p>
@@ -4423,14 +4424,14 @@
           </a:ln>
           <a:extLst>
             <a:ext uri="{909E8E84-426E-40DD-AFC4-6F175D3DCCD1}">
-              <a14:hiddenFill xmlns:a14="http://schemas.microsoft.com/office/drawing/2010/main">
+              <a14:hiddenFill xmlns:a14="http://schemas.microsoft.com/office/drawing/2010/main" xmlns="">
                 <a:solidFill>
                   <a:srgbClr val="FFFFFF"/>
                 </a:solidFill>
               </a14:hiddenFill>
             </a:ext>
             <a:ext uri="{91240B29-F687-4F45-9708-019B960494DF}">
-              <a14:hiddenLine xmlns:a14="http://schemas.microsoft.com/office/drawing/2010/main" w="9525">
+              <a14:hiddenLine xmlns:a14="http://schemas.microsoft.com/office/drawing/2010/main" xmlns="" w="9525">
                 <a:solidFill>
                   <a:srgbClr val="000000"/>
                 </a:solidFill>
@@ -4650,7 +4651,7 @@
           <a:blip r:embed="rId2" cstate="print">
             <a:extLst>
               <a:ext uri="{28A0092B-C50C-407E-A947-70E740481C1C}">
-                <a14:useLocalDpi xmlns:a14="http://schemas.microsoft.com/office/drawing/2010/main" val="0"/>
+                <a14:useLocalDpi xmlns:a14="http://schemas.microsoft.com/office/drawing/2010/main" xmlns="" val="0"/>
               </a:ext>
             </a:extLst>
           </a:blip>
@@ -4690,14 +4691,14 @@
           </a:ln>
           <a:extLst>
             <a:ext uri="{909E8E84-426E-40DD-AFC4-6F175D3DCCD1}">
-              <a14:hiddenFill xmlns:a14="http://schemas.microsoft.com/office/drawing/2010/main">
+              <a14:hiddenFill xmlns:a14="http://schemas.microsoft.com/office/drawing/2010/main" xmlns="">
                 <a:solidFill>
                   <a:srgbClr val="FFFFFF"/>
                 </a:solidFill>
               </a14:hiddenFill>
             </a:ext>
             <a:ext uri="{91240B29-F687-4F45-9708-019B960494DF}">
-              <a14:hiddenLine xmlns:a14="http://schemas.microsoft.com/office/drawing/2010/main" w="9525">
+              <a14:hiddenLine xmlns:a14="http://schemas.microsoft.com/office/drawing/2010/main" xmlns="" w="9525">
                 <a:solidFill>
                   <a:srgbClr val="000000"/>
                 </a:solidFill>
@@ -5340,7 +5341,7 @@
           <a:blip r:embed="rId2" cstate="print">
             <a:extLst>
               <a:ext uri="{28A0092B-C50C-407E-A947-70E740481C1C}">
-                <a14:useLocalDpi xmlns:a14="http://schemas.microsoft.com/office/drawing/2010/main" val="0"/>
+                <a14:useLocalDpi xmlns:a14="http://schemas.microsoft.com/office/drawing/2010/main" xmlns="" val="0"/>
               </a:ext>
             </a:extLst>
           </a:blip>
@@ -5765,7 +5766,7 @@
           <a:blip r:embed="rId2" cstate="print">
             <a:extLst>
               <a:ext uri="{28A0092B-C50C-407E-A947-70E740481C1C}">
-                <a14:useLocalDpi xmlns:a14="http://schemas.microsoft.com/office/drawing/2010/main" val="0"/>
+                <a14:useLocalDpi xmlns:a14="http://schemas.microsoft.com/office/drawing/2010/main" xmlns="" val="0"/>
               </a:ext>
             </a:extLst>
           </a:blip>
@@ -5924,7 +5925,7 @@
           <p:cNvPr id="2" name="TextBox 1">
             <a:extLst>
               <a:ext uri="{FF2B5EF4-FFF2-40B4-BE49-F238E27FC236}">
-                <a16:creationId xmlns:a16="http://schemas.microsoft.com/office/drawing/2014/main" id="{6077AAB8-6F88-2BE8-6991-2B6192D306F4}"/>
+                <a16:creationId xmlns:a16="http://schemas.microsoft.com/office/drawing/2014/main" xmlns="" id="{6077AAB8-6F88-2BE8-6991-2B6192D306F4}"/>
               </a:ext>
             </a:extLst>
           </p:cNvPr>
@@ -7097,7 +7098,7 @@
           <a:blip r:embed="rId2" cstate="print">
             <a:extLst>
               <a:ext uri="{28A0092B-C50C-407E-A947-70E740481C1C}">
-                <a14:useLocalDpi xmlns:a14="http://schemas.microsoft.com/office/drawing/2010/main" val="0"/>
+                <a14:useLocalDpi xmlns:a14="http://schemas.microsoft.com/office/drawing/2010/main" xmlns="" val="0"/>
               </a:ext>
             </a:extLst>
           </a:blip>
@@ -7118,7 +7119,7 @@
     </p:spTree>
     <p:extLst>
       <p:ext uri="{BB962C8B-B14F-4D97-AF65-F5344CB8AC3E}">
-        <p14:creationId xmlns:p14="http://schemas.microsoft.com/office/powerpoint/2010/main" val="2422148939"/>
+        <p14:creationId xmlns:p14="http://schemas.microsoft.com/office/powerpoint/2010/main" xmlns="" val="2422148939"/>
       </p:ext>
     </p:extLst>
   </p:cSld>
@@ -7448,7 +7449,7 @@
           <a:blip r:embed="rId2" cstate="print">
             <a:extLst>
               <a:ext uri="{28A0092B-C50C-407E-A947-70E740481C1C}">
-                <a14:useLocalDpi xmlns:a14="http://schemas.microsoft.com/office/drawing/2010/main" val="0"/>
+                <a14:useLocalDpi xmlns:a14="http://schemas.microsoft.com/office/drawing/2010/main" xmlns="" val="0"/>
               </a:ext>
             </a:extLst>
           </a:blip>
@@ -7469,7 +7470,7 @@
     </p:spTree>
     <p:extLst>
       <p:ext uri="{BB962C8B-B14F-4D97-AF65-F5344CB8AC3E}">
-        <p14:creationId xmlns:p14="http://schemas.microsoft.com/office/powerpoint/2010/main" val="3748660077"/>
+        <p14:creationId xmlns:p14="http://schemas.microsoft.com/office/powerpoint/2010/main" xmlns="" val="3748660077"/>
       </p:ext>
     </p:extLst>
   </p:cSld>
@@ -7496,12 +7497,70 @@
           <a:chExt cx="0" cy="0"/>
         </a:xfrm>
       </p:grpSpPr>
+      <p:pic>
+        <p:nvPicPr>
+          <p:cNvPr id="1026" name="Picture 2"/>
+          <p:cNvPicPr>
+            <a:picLocks noChangeAspect="1" noChangeArrowheads="1"/>
+          </p:cNvPicPr>
+          <p:nvPr/>
+        </p:nvPicPr>
+        <p:blipFill>
+          <a:blip r:embed="rId2"/>
+          <a:srcRect/>
+          <a:stretch>
+            <a:fillRect/>
+          </a:stretch>
+        </p:blipFill>
+        <p:spPr bwMode="auto">
+          <a:xfrm>
+            <a:off x="12700" y="1125538"/>
+            <a:ext cx="9117013" cy="4610100"/>
+          </a:xfrm>
+          <a:prstGeom prst="rect">
+            <a:avLst/>
+          </a:prstGeom>
+          <a:noFill/>
+          <a:ln w="9525">
+            <a:noFill/>
+            <a:miter lim="800000"/>
+            <a:headEnd/>
+            <a:tailEnd/>
+          </a:ln>
+          <a:effectLst/>
+        </p:spPr>
+      </p:pic>
+    </p:spTree>
+  </p:cSld>
+  <p:clrMapOvr>
+    <a:masterClrMapping/>
+  </p:clrMapOvr>
+</p:sld>
+</file>
+
+<file path=ppt/slides/slide7.xml><?xml version="1.0" encoding="utf-8"?>
+<p:sld xmlns:a="http://schemas.openxmlformats.org/drawingml/2006/main" xmlns:r="http://schemas.openxmlformats.org/officeDocument/2006/relationships" xmlns:p="http://schemas.openxmlformats.org/presentationml/2006/main">
+  <p:cSld>
+    <p:spTree>
+      <p:nvGrpSpPr>
+        <p:cNvPr id="1" name=""/>
+        <p:cNvGrpSpPr/>
+        <p:nvPr/>
+      </p:nvGrpSpPr>
+      <p:grpSpPr>
+        <a:xfrm>
+          <a:off x="0" y="0"/>
+          <a:ext cx="0" cy="0"/>
+          <a:chOff x="0" y="0"/>
+          <a:chExt cx="0" cy="0"/>
+        </a:xfrm>
+      </p:grpSpPr>
       <p:sp>
         <p:nvSpPr>
           <p:cNvPr id="2" name="TextBox 1">
             <a:extLst>
               <a:ext uri="{FF2B5EF4-FFF2-40B4-BE49-F238E27FC236}">
-                <a16:creationId xmlns:a16="http://schemas.microsoft.com/office/drawing/2014/main" id="{45A88A1B-1033-EC9B-4397-8DEBE3D05E06}"/>
+                <a16:creationId xmlns:a16="http://schemas.microsoft.com/office/drawing/2014/main" xmlns="" id="{45A88A1B-1033-EC9B-4397-8DEBE3D05E06}"/>
               </a:ext>
             </a:extLst>
           </p:cNvPr>
@@ -7794,7 +7853,7 @@
     </p:spTree>
     <p:extLst>
       <p:ext uri="{BB962C8B-B14F-4D97-AF65-F5344CB8AC3E}">
-        <p14:creationId xmlns:p14="http://schemas.microsoft.com/office/powerpoint/2010/main" val="3921649124"/>
+        <p14:creationId xmlns:p14="http://schemas.microsoft.com/office/powerpoint/2010/main" xmlns="" val="3921649124"/>
       </p:ext>
     </p:extLst>
   </p:cSld>
@@ -7804,7 +7863,7 @@
 </p:sld>
 </file>
 
-<file path=ppt/slides/slide7.xml><?xml version="1.0" encoding="utf-8"?>
+<file path=ppt/slides/slide8.xml><?xml version="1.0" encoding="utf-8"?>
 <p:sld xmlns:a="http://schemas.openxmlformats.org/drawingml/2006/main" xmlns:r="http://schemas.openxmlformats.org/officeDocument/2006/relationships" xmlns:p="http://schemas.openxmlformats.org/presentationml/2006/main" showMasterSp="0">
   <p:cSld>
     <p:spTree>
@@ -7830,7 +7889,7 @@
           <p:nvPr>
             <p:extLst>
               <p:ext uri="{D42A27DB-BD31-4B8C-83A1-F6EECF244321}">
-                <p14:modId xmlns:p14="http://schemas.microsoft.com/office/powerpoint/2010/main" val="1223694008"/>
+                <p14:modId xmlns:p14="http://schemas.microsoft.com/office/powerpoint/2010/main" xmlns="" val="1223694008"/>
               </p:ext>
             </p:extLst>
           </p:nvPr>
@@ -7849,28 +7908,28 @@
                 <a:gridCol w="2318386">
                   <a:extLst>
                     <a:ext uri="{9D8B030D-6E8A-4147-A177-3AD203B41FA5}">
-                      <a16:colId xmlns:a16="http://schemas.microsoft.com/office/drawing/2014/main" val="20000"/>
+                      <a16:colId xmlns:a16="http://schemas.microsoft.com/office/drawing/2014/main" xmlns="" val="20000"/>
                     </a:ext>
                   </a:extLst>
                 </a:gridCol>
                 <a:gridCol w="1872000">
                   <a:extLst>
                     <a:ext uri="{9D8B030D-6E8A-4147-A177-3AD203B41FA5}">
-                      <a16:colId xmlns:a16="http://schemas.microsoft.com/office/drawing/2014/main" val="20001"/>
+                      <a16:colId xmlns:a16="http://schemas.microsoft.com/office/drawing/2014/main" xmlns="" val="20001"/>
                     </a:ext>
                   </a:extLst>
                 </a:gridCol>
                 <a:gridCol w="1872000">
                   <a:extLst>
                     <a:ext uri="{9D8B030D-6E8A-4147-A177-3AD203B41FA5}">
-                      <a16:colId xmlns:a16="http://schemas.microsoft.com/office/drawing/2014/main" val="20003"/>
+                      <a16:colId xmlns:a16="http://schemas.microsoft.com/office/drawing/2014/main" xmlns="" val="20003"/>
                     </a:ext>
                   </a:extLst>
                 </a:gridCol>
                 <a:gridCol w="1872000">
                   <a:extLst>
                     <a:ext uri="{9D8B030D-6E8A-4147-A177-3AD203B41FA5}">
-                      <a16:colId xmlns:a16="http://schemas.microsoft.com/office/drawing/2014/main" val="20009"/>
+                      <a16:colId xmlns:a16="http://schemas.microsoft.com/office/drawing/2014/main" xmlns="" val="20009"/>
                     </a:ext>
                   </a:extLst>
                 </a:gridCol>
@@ -8290,7 +8349,7 @@
                 </a:tc>
                 <a:extLst>
                   <a:ext uri="{0D108BD9-81ED-4DB2-BD59-A6C34878D82A}">
-                    <a16:rowId xmlns:a16="http://schemas.microsoft.com/office/drawing/2014/main" val="10001"/>
+                    <a16:rowId xmlns:a16="http://schemas.microsoft.com/office/drawing/2014/main" xmlns="" val="10001"/>
                   </a:ext>
                 </a:extLst>
               </a:tr>
@@ -8443,7 +8502,7 @@
                 </a:tc>
                 <a:extLst>
                   <a:ext uri="{0D108BD9-81ED-4DB2-BD59-A6C34878D82A}">
-                    <a16:rowId xmlns:a16="http://schemas.microsoft.com/office/drawing/2014/main" val="10002"/>
+                    <a16:rowId xmlns:a16="http://schemas.microsoft.com/office/drawing/2014/main" xmlns="" val="10002"/>
                   </a:ext>
                 </a:extLst>
               </a:tr>
@@ -9387,7 +9446,7 @@
           <a:blip r:embed="rId2" cstate="print">
             <a:extLst>
               <a:ext uri="{28A0092B-C50C-407E-A947-70E740481C1C}">
-                <a14:useLocalDpi xmlns:a14="http://schemas.microsoft.com/office/drawing/2010/main" val="0"/>
+                <a14:useLocalDpi xmlns:a14="http://schemas.microsoft.com/office/drawing/2010/main" xmlns="" val="0"/>
               </a:ext>
             </a:extLst>
           </a:blip>
@@ -9410,7 +9469,7 @@
           <p:cNvPr id="2" name="직사각형 1">
             <a:extLst>
               <a:ext uri="{FF2B5EF4-FFF2-40B4-BE49-F238E27FC236}">
-                <a16:creationId xmlns:a16="http://schemas.microsoft.com/office/drawing/2014/main" id="{BECE05B4-F2F8-E933-52D0-A00C5E48AD93}"/>
+                <a16:creationId xmlns:a16="http://schemas.microsoft.com/office/drawing/2014/main" xmlns="" id="{BECE05B4-F2F8-E933-52D0-A00C5E48AD93}"/>
               </a:ext>
             </a:extLst>
           </p:cNvPr>
@@ -9482,7 +9541,7 @@
           <p:cNvPr id="5" name="직사각형 4">
             <a:extLst>
               <a:ext uri="{FF2B5EF4-FFF2-40B4-BE49-F238E27FC236}">
-                <a16:creationId xmlns:a16="http://schemas.microsoft.com/office/drawing/2014/main" id="{ED9EE3C2-D821-8C10-CCCA-BCBCA5789CA0}"/>
+                <a16:creationId xmlns:a16="http://schemas.microsoft.com/office/drawing/2014/main" xmlns="" id="{ED9EE3C2-D821-8C10-CCCA-BCBCA5789CA0}"/>
               </a:ext>
             </a:extLst>
           </p:cNvPr>
@@ -9554,7 +9613,7 @@
           <p:cNvPr id="14" name="직사각형 13">
             <a:extLst>
               <a:ext uri="{FF2B5EF4-FFF2-40B4-BE49-F238E27FC236}">
-                <a16:creationId xmlns:a16="http://schemas.microsoft.com/office/drawing/2014/main" id="{BF02E885-ACB3-1084-57AC-EA21A59F8EA6}"/>
+                <a16:creationId xmlns:a16="http://schemas.microsoft.com/office/drawing/2014/main" xmlns="" id="{BF02E885-ACB3-1084-57AC-EA21A59F8EA6}"/>
               </a:ext>
             </a:extLst>
           </p:cNvPr>
@@ -9626,7 +9685,7 @@
           <p:cNvPr id="20" name="직사각형 19">
             <a:extLst>
               <a:ext uri="{FF2B5EF4-FFF2-40B4-BE49-F238E27FC236}">
-                <a16:creationId xmlns:a16="http://schemas.microsoft.com/office/drawing/2014/main" id="{60177F45-2C2E-F507-2271-3DF08384C044}"/>
+                <a16:creationId xmlns:a16="http://schemas.microsoft.com/office/drawing/2014/main" xmlns="" id="{60177F45-2C2E-F507-2271-3DF08384C044}"/>
               </a:ext>
             </a:extLst>
           </p:cNvPr>
@@ -9698,7 +9757,7 @@
           <p:cNvPr id="21" name="직사각형 20">
             <a:extLst>
               <a:ext uri="{FF2B5EF4-FFF2-40B4-BE49-F238E27FC236}">
-                <a16:creationId xmlns:a16="http://schemas.microsoft.com/office/drawing/2014/main" id="{0C8AD6E3-C41B-5A09-3AD6-83CBE395AC6D}"/>
+                <a16:creationId xmlns:a16="http://schemas.microsoft.com/office/drawing/2014/main" xmlns="" id="{0C8AD6E3-C41B-5A09-3AD6-83CBE395AC6D}"/>
               </a:ext>
             </a:extLst>
           </p:cNvPr>
@@ -9770,7 +9829,7 @@
           <p:cNvPr id="22" name="직사각형 21">
             <a:extLst>
               <a:ext uri="{FF2B5EF4-FFF2-40B4-BE49-F238E27FC236}">
-                <a16:creationId xmlns:a16="http://schemas.microsoft.com/office/drawing/2014/main" id="{2E9D7D50-E1BF-39DA-3574-A41273EC79DD}"/>
+                <a16:creationId xmlns:a16="http://schemas.microsoft.com/office/drawing/2014/main" xmlns="" id="{2E9D7D50-E1BF-39DA-3574-A41273EC79DD}"/>
               </a:ext>
             </a:extLst>
           </p:cNvPr>
@@ -9840,7 +9899,7 @@
     </p:spTree>
     <p:extLst>
       <p:ext uri="{BB962C8B-B14F-4D97-AF65-F5344CB8AC3E}">
-        <p14:creationId xmlns:p14="http://schemas.microsoft.com/office/powerpoint/2010/main" val="2842921064"/>
+        <p14:creationId xmlns:p14="http://schemas.microsoft.com/office/powerpoint/2010/main" xmlns="" val="2842921064"/>
       </p:ext>
     </p:extLst>
   </p:cSld>

--- a/PPT/중간프로젝트 기획안 _ (2팀)_20230402_SeokwonNa.pptx
+++ b/PPT/중간프로젝트 기획안 _ (2팀)_20230402_SeokwonNa.pptx
@@ -153,7 +153,7 @@
   </p:defaultTextStyle>
   <p:extLst>
     <p:ext uri="{EFAFB233-063F-42B5-8137-9DF3F51BA10A}">
-      <p15:sldGuideLst xmlns:p15="http://schemas.microsoft.com/office/powerpoint/2012/main" xmlns="">
+      <p15:sldGuideLst xmlns="" xmlns:p15="http://schemas.microsoft.com/office/powerpoint/2012/main">
         <p15:guide id="1" orient="horz" pos="2160">
           <p15:clr>
             <a:srgbClr val="A4A3A4"/>
@@ -282,7 +282,7 @@
               <a:pPr>
                 <a:defRPr/>
               </a:pPr>
-              <a:t>2023-04-05</a:t>
+              <a:t>2023-04-07</a:t>
             </a:fld>
             <a:endParaRPr lang="ko-KR" altLang="en-US"/>
           </a:p>
@@ -477,7 +477,7 @@
     </p:spTree>
     <p:extLst>
       <p:ext uri="{BB962C8B-B14F-4D97-AF65-F5344CB8AC3E}">
-        <p14:creationId xmlns:p14="http://schemas.microsoft.com/office/powerpoint/2010/main" xmlns="" val="2298300096"/>
+        <p14:creationId xmlns="" xmlns:p14="http://schemas.microsoft.com/office/powerpoint/2010/main" val="2298300096"/>
       </p:ext>
     </p:extLst>
   </p:cSld>
@@ -796,7 +796,7 @@
               <a:pPr>
                 <a:defRPr/>
               </a:pPr>
-              <a:t>2023-04-05</a:t>
+              <a:t>2023-04-07</a:t>
             </a:fld>
             <a:endParaRPr lang="ko-KR" altLang="en-US"/>
           </a:p>
@@ -864,7 +864,7 @@
     </p:spTree>
     <p:extLst>
       <p:ext uri="{BB962C8B-B14F-4D97-AF65-F5344CB8AC3E}">
-        <p14:creationId xmlns:p14="http://schemas.microsoft.com/office/powerpoint/2010/main" xmlns="" val="3636223116"/>
+        <p14:creationId xmlns="" xmlns:p14="http://schemas.microsoft.com/office/powerpoint/2010/main" val="3636223116"/>
       </p:ext>
     </p:extLst>
   </p:cSld>
@@ -991,7 +991,7 @@
               <a:pPr>
                 <a:defRPr/>
               </a:pPr>
-              <a:t>2023-04-05</a:t>
+              <a:t>2023-04-07</a:t>
             </a:fld>
             <a:endParaRPr lang="ko-KR" altLang="en-US"/>
           </a:p>
@@ -1059,7 +1059,7 @@
     </p:spTree>
     <p:extLst>
       <p:ext uri="{BB962C8B-B14F-4D97-AF65-F5344CB8AC3E}">
-        <p14:creationId xmlns:p14="http://schemas.microsoft.com/office/powerpoint/2010/main" xmlns="" val="1923301270"/>
+        <p14:creationId xmlns="" xmlns:p14="http://schemas.microsoft.com/office/powerpoint/2010/main" val="1923301270"/>
       </p:ext>
     </p:extLst>
   </p:cSld>
@@ -1196,7 +1196,7 @@
               <a:pPr>
                 <a:defRPr/>
               </a:pPr>
-              <a:t>2023-04-05</a:t>
+              <a:t>2023-04-07</a:t>
             </a:fld>
             <a:endParaRPr lang="ko-KR" altLang="en-US"/>
           </a:p>
@@ -1264,7 +1264,7 @@
     </p:spTree>
     <p:extLst>
       <p:ext uri="{BB962C8B-B14F-4D97-AF65-F5344CB8AC3E}">
-        <p14:creationId xmlns:p14="http://schemas.microsoft.com/office/powerpoint/2010/main" xmlns="" val="3408806277"/>
+        <p14:creationId xmlns="" xmlns:p14="http://schemas.microsoft.com/office/powerpoint/2010/main" val="3408806277"/>
       </p:ext>
     </p:extLst>
   </p:cSld>
@@ -1391,7 +1391,7 @@
               <a:pPr>
                 <a:defRPr/>
               </a:pPr>
-              <a:t>2023-04-05</a:t>
+              <a:t>2023-04-07</a:t>
             </a:fld>
             <a:endParaRPr lang="ko-KR" altLang="en-US"/>
           </a:p>
@@ -1459,7 +1459,7 @@
     </p:spTree>
     <p:extLst>
       <p:ext uri="{BB962C8B-B14F-4D97-AF65-F5344CB8AC3E}">
-        <p14:creationId xmlns:p14="http://schemas.microsoft.com/office/powerpoint/2010/main" xmlns="" val="1549668477"/>
+        <p14:creationId xmlns="" xmlns:p14="http://schemas.microsoft.com/office/powerpoint/2010/main" val="1549668477"/>
       </p:ext>
     </p:extLst>
   </p:cSld>
@@ -1663,7 +1663,7 @@
               <a:pPr>
                 <a:defRPr/>
               </a:pPr>
-              <a:t>2023-04-05</a:t>
+              <a:t>2023-04-07</a:t>
             </a:fld>
             <a:endParaRPr lang="ko-KR" altLang="en-US"/>
           </a:p>
@@ -1731,7 +1731,7 @@
     </p:spTree>
     <p:extLst>
       <p:ext uri="{BB962C8B-B14F-4D97-AF65-F5344CB8AC3E}">
-        <p14:creationId xmlns:p14="http://schemas.microsoft.com/office/powerpoint/2010/main" xmlns="" val="1083808973"/>
+        <p14:creationId xmlns="" xmlns:p14="http://schemas.microsoft.com/office/powerpoint/2010/main" val="1083808973"/>
       </p:ext>
     </p:extLst>
   </p:cSld>
@@ -1975,7 +1975,7 @@
               <a:pPr>
                 <a:defRPr/>
               </a:pPr>
-              <a:t>2023-04-05</a:t>
+              <a:t>2023-04-07</a:t>
             </a:fld>
             <a:endParaRPr lang="ko-KR" altLang="en-US"/>
           </a:p>
@@ -2043,7 +2043,7 @@
     </p:spTree>
     <p:extLst>
       <p:ext uri="{BB962C8B-B14F-4D97-AF65-F5344CB8AC3E}">
-        <p14:creationId xmlns:p14="http://schemas.microsoft.com/office/powerpoint/2010/main" xmlns="" val="3910854368"/>
+        <p14:creationId xmlns="" xmlns:p14="http://schemas.microsoft.com/office/powerpoint/2010/main" val="3910854368"/>
       </p:ext>
     </p:extLst>
   </p:cSld>
@@ -2421,7 +2421,7 @@
               <a:pPr>
                 <a:defRPr/>
               </a:pPr>
-              <a:t>2023-04-05</a:t>
+              <a:t>2023-04-07</a:t>
             </a:fld>
             <a:endParaRPr lang="ko-KR" altLang="en-US"/>
           </a:p>
@@ -2489,7 +2489,7 @@
     </p:spTree>
     <p:extLst>
       <p:ext uri="{BB962C8B-B14F-4D97-AF65-F5344CB8AC3E}">
-        <p14:creationId xmlns:p14="http://schemas.microsoft.com/office/powerpoint/2010/main" xmlns="" val="4223930405"/>
+        <p14:creationId xmlns="" xmlns:p14="http://schemas.microsoft.com/office/powerpoint/2010/main" val="4223930405"/>
       </p:ext>
     </p:extLst>
   </p:cSld>
@@ -2565,7 +2565,7 @@
               <a:pPr>
                 <a:defRPr/>
               </a:pPr>
-              <a:t>2023-04-05</a:t>
+              <a:t>2023-04-07</a:t>
             </a:fld>
             <a:endParaRPr lang="ko-KR" altLang="en-US"/>
           </a:p>
@@ -2633,7 +2633,7 @@
     </p:spTree>
     <p:extLst>
       <p:ext uri="{BB962C8B-B14F-4D97-AF65-F5344CB8AC3E}">
-        <p14:creationId xmlns:p14="http://schemas.microsoft.com/office/powerpoint/2010/main" xmlns="" val="418365225"/>
+        <p14:creationId xmlns="" xmlns:p14="http://schemas.microsoft.com/office/powerpoint/2010/main" val="418365225"/>
       </p:ext>
     </p:extLst>
   </p:cSld>
@@ -2780,7 +2780,7 @@
           <a:blip r:embed="rId2" cstate="print">
             <a:extLst>
               <a:ext uri="{28A0092B-C50C-407E-A947-70E740481C1C}">
-                <a14:useLocalDpi xmlns:a14="http://schemas.microsoft.com/office/drawing/2010/main" xmlns="" val="0"/>
+                <a14:useLocalDpi xmlns="" xmlns:a14="http://schemas.microsoft.com/office/drawing/2010/main" val="0"/>
               </a:ext>
             </a:extLst>
           </a:blip>
@@ -2801,7 +2801,7 @@
     </p:spTree>
     <p:extLst>
       <p:ext uri="{BB962C8B-B14F-4D97-AF65-F5344CB8AC3E}">
-        <p14:creationId xmlns:p14="http://schemas.microsoft.com/office/powerpoint/2010/main" xmlns="" val="3368593078"/>
+        <p14:creationId xmlns="" xmlns:p14="http://schemas.microsoft.com/office/powerpoint/2010/main" val="3368593078"/>
       </p:ext>
     </p:extLst>
   </p:cSld>
@@ -3035,7 +3035,7 @@
               <a:pPr>
                 <a:defRPr/>
               </a:pPr>
-              <a:t>2023-04-05</a:t>
+              <a:t>2023-04-07</a:t>
             </a:fld>
             <a:endParaRPr lang="ko-KR" altLang="en-US"/>
           </a:p>
@@ -3103,7 +3103,7 @@
     </p:spTree>
     <p:extLst>
       <p:ext uri="{BB962C8B-B14F-4D97-AF65-F5344CB8AC3E}">
-        <p14:creationId xmlns:p14="http://schemas.microsoft.com/office/powerpoint/2010/main" xmlns="" val="1438917134"/>
+        <p14:creationId xmlns="" xmlns:p14="http://schemas.microsoft.com/office/powerpoint/2010/main" val="1438917134"/>
       </p:ext>
     </p:extLst>
   </p:cSld>
@@ -3317,7 +3317,7 @@
               <a:pPr>
                 <a:defRPr/>
               </a:pPr>
-              <a:t>2023-04-05</a:t>
+              <a:t>2023-04-07</a:t>
             </a:fld>
             <a:endParaRPr lang="ko-KR" altLang="en-US"/>
           </a:p>
@@ -3385,7 +3385,7 @@
     </p:spTree>
     <p:extLst>
       <p:ext uri="{BB962C8B-B14F-4D97-AF65-F5344CB8AC3E}">
-        <p14:creationId xmlns:p14="http://schemas.microsoft.com/office/powerpoint/2010/main" xmlns="" val="344758488"/>
+        <p14:creationId xmlns="" xmlns:p14="http://schemas.microsoft.com/office/powerpoint/2010/main" val="344758488"/>
       </p:ext>
     </p:extLst>
   </p:cSld>
@@ -3444,14 +3444,14 @@
           </a:ln>
           <a:extLst>
             <a:ext uri="{909E8E84-426E-40DD-AFC4-6F175D3DCCD1}">
-              <a14:hiddenFill xmlns:a14="http://schemas.microsoft.com/office/drawing/2010/main" xmlns="">
+              <a14:hiddenFill xmlns="" xmlns:a14="http://schemas.microsoft.com/office/drawing/2010/main">
                 <a:solidFill>
                   <a:srgbClr val="FFFFFF"/>
                 </a:solidFill>
               </a14:hiddenFill>
             </a:ext>
             <a:ext uri="{91240B29-F687-4F45-9708-019B960494DF}">
-              <a14:hiddenLine xmlns:a14="http://schemas.microsoft.com/office/drawing/2010/main" xmlns="" w="9525">
+              <a14:hiddenLine xmlns="" xmlns:a14="http://schemas.microsoft.com/office/drawing/2010/main" w="9525">
                 <a:solidFill>
                   <a:srgbClr val="000000"/>
                 </a:solidFill>
@@ -3502,14 +3502,14 @@
           </a:ln>
           <a:extLst>
             <a:ext uri="{909E8E84-426E-40DD-AFC4-6F175D3DCCD1}">
-              <a14:hiddenFill xmlns:a14="http://schemas.microsoft.com/office/drawing/2010/main" xmlns="">
+              <a14:hiddenFill xmlns="" xmlns:a14="http://schemas.microsoft.com/office/drawing/2010/main">
                 <a:solidFill>
                   <a:srgbClr val="FFFFFF"/>
                 </a:solidFill>
               </a14:hiddenFill>
             </a:ext>
             <a:ext uri="{91240B29-F687-4F45-9708-019B960494DF}">
-              <a14:hiddenLine xmlns:a14="http://schemas.microsoft.com/office/drawing/2010/main" xmlns="" w="9525">
+              <a14:hiddenLine xmlns="" xmlns:a14="http://schemas.microsoft.com/office/drawing/2010/main" w="9525">
                 <a:solidFill>
                   <a:srgbClr val="000000"/>
                 </a:solidFill>
@@ -3613,7 +3613,7 @@
               <a:pPr>
                 <a:defRPr/>
               </a:pPr>
-              <a:t>2023-04-05</a:t>
+              <a:t>2023-04-07</a:t>
             </a:fld>
             <a:endParaRPr lang="ko-KR" altLang="en-US"/>
           </a:p>
@@ -4424,14 +4424,14 @@
           </a:ln>
           <a:extLst>
             <a:ext uri="{909E8E84-426E-40DD-AFC4-6F175D3DCCD1}">
-              <a14:hiddenFill xmlns:a14="http://schemas.microsoft.com/office/drawing/2010/main" xmlns="">
+              <a14:hiddenFill xmlns="" xmlns:a14="http://schemas.microsoft.com/office/drawing/2010/main">
                 <a:solidFill>
                   <a:srgbClr val="FFFFFF"/>
                 </a:solidFill>
               </a14:hiddenFill>
             </a:ext>
             <a:ext uri="{91240B29-F687-4F45-9708-019B960494DF}">
-              <a14:hiddenLine xmlns:a14="http://schemas.microsoft.com/office/drawing/2010/main" xmlns="" w="9525">
+              <a14:hiddenLine xmlns="" xmlns:a14="http://schemas.microsoft.com/office/drawing/2010/main" w="9525">
                 <a:solidFill>
                   <a:srgbClr val="000000"/>
                 </a:solidFill>
@@ -4651,7 +4651,7 @@
           <a:blip r:embed="rId2" cstate="print">
             <a:extLst>
               <a:ext uri="{28A0092B-C50C-407E-A947-70E740481C1C}">
-                <a14:useLocalDpi xmlns:a14="http://schemas.microsoft.com/office/drawing/2010/main" xmlns="" val="0"/>
+                <a14:useLocalDpi xmlns="" xmlns:a14="http://schemas.microsoft.com/office/drawing/2010/main" val="0"/>
               </a:ext>
             </a:extLst>
           </a:blip>
@@ -4691,14 +4691,14 @@
           </a:ln>
           <a:extLst>
             <a:ext uri="{909E8E84-426E-40DD-AFC4-6F175D3DCCD1}">
-              <a14:hiddenFill xmlns:a14="http://schemas.microsoft.com/office/drawing/2010/main" xmlns="">
+              <a14:hiddenFill xmlns="" xmlns:a14="http://schemas.microsoft.com/office/drawing/2010/main">
                 <a:solidFill>
                   <a:srgbClr val="FFFFFF"/>
                 </a:solidFill>
               </a14:hiddenFill>
             </a:ext>
             <a:ext uri="{91240B29-F687-4F45-9708-019B960494DF}">
-              <a14:hiddenLine xmlns:a14="http://schemas.microsoft.com/office/drawing/2010/main" xmlns="" w="9525">
+              <a14:hiddenLine xmlns="" xmlns:a14="http://schemas.microsoft.com/office/drawing/2010/main" w="9525">
                 <a:solidFill>
                   <a:srgbClr val="000000"/>
                 </a:solidFill>
@@ -5341,7 +5341,7 @@
           <a:blip r:embed="rId2" cstate="print">
             <a:extLst>
               <a:ext uri="{28A0092B-C50C-407E-A947-70E740481C1C}">
-                <a14:useLocalDpi xmlns:a14="http://schemas.microsoft.com/office/drawing/2010/main" xmlns="" val="0"/>
+                <a14:useLocalDpi xmlns="" xmlns:a14="http://schemas.microsoft.com/office/drawing/2010/main" val="0"/>
               </a:ext>
             </a:extLst>
           </a:blip>
@@ -5766,7 +5766,7 @@
           <a:blip r:embed="rId2" cstate="print">
             <a:extLst>
               <a:ext uri="{28A0092B-C50C-407E-A947-70E740481C1C}">
-                <a14:useLocalDpi xmlns:a14="http://schemas.microsoft.com/office/drawing/2010/main" xmlns="" val="0"/>
+                <a14:useLocalDpi xmlns="" xmlns:a14="http://schemas.microsoft.com/office/drawing/2010/main" val="0"/>
               </a:ext>
             </a:extLst>
           </a:blip>
@@ -5925,7 +5925,7 @@
           <p:cNvPr id="2" name="TextBox 1">
             <a:extLst>
               <a:ext uri="{FF2B5EF4-FFF2-40B4-BE49-F238E27FC236}">
-                <a16:creationId xmlns:a16="http://schemas.microsoft.com/office/drawing/2014/main" xmlns="" id="{6077AAB8-6F88-2BE8-6991-2B6192D306F4}"/>
+                <a16:creationId xmlns="" xmlns:a16="http://schemas.microsoft.com/office/drawing/2014/main" id="{6077AAB8-6F88-2BE8-6991-2B6192D306F4}"/>
               </a:ext>
             </a:extLst>
           </p:cNvPr>
@@ -5935,7 +5935,7 @@
         <p:spPr>
           <a:xfrm>
             <a:off x="1259632" y="1628800"/>
-            <a:ext cx="3600400" cy="369332"/>
+            <a:ext cx="6741392" cy="369332"/>
           </a:xfrm>
           <a:prstGeom prst="rect">
             <a:avLst/>
@@ -5949,9 +5949,46 @@
           <a:lstStyle/>
           <a:p>
             <a:r>
-              <a:rPr lang="ko-KR" altLang="en-US" dirty="0"/>
-              <a:t>드라마</a:t>
-            </a:r>
+              <a:rPr lang="ko-KR" altLang="en-US" dirty="0" smtClean="0"/>
+              <a:t>서울시 아파트 가격에 영향을 미치는 요인분석</a:t>
+            </a:r>
+            <a:endParaRPr lang="ko-KR" altLang="en-US" dirty="0"/>
+          </a:p>
+        </p:txBody>
+      </p:sp>
+      <p:sp>
+        <p:nvSpPr>
+          <p:cNvPr id="9" name="TextBox 8">
+            <a:extLst>
+              <a:ext uri="{FF2B5EF4-FFF2-40B4-BE49-F238E27FC236}">
+                <a16:creationId xmlns="" xmlns:a16="http://schemas.microsoft.com/office/drawing/2014/main" id="{6077AAB8-6F88-2BE8-6991-2B6192D306F4}"/>
+              </a:ext>
+            </a:extLst>
+          </p:cNvPr>
+          <p:cNvSpPr txBox="1"/>
+          <p:nvPr/>
+        </p:nvSpPr>
+        <p:spPr>
+          <a:xfrm>
+            <a:off x="1214414" y="4643446"/>
+            <a:ext cx="6741392" cy="369332"/>
+          </a:xfrm>
+          <a:prstGeom prst="rect">
+            <a:avLst/>
+          </a:prstGeom>
+          <a:noFill/>
+        </p:spPr>
+        <p:txBody>
+          <a:bodyPr wrap="square" rtlCol="0">
+            <a:spAutoFit/>
+          </a:bodyPr>
+          <a:lstStyle/>
+          <a:p>
+            <a:r>
+              <a:rPr lang="ko-KR" altLang="en-US" dirty="0" smtClean="0"/>
+              <a:t>서울시 아파트 가격에 영향을 미치는 요인분석을 통하여 </a:t>
+            </a:r>
+            <a:endParaRPr lang="ko-KR" altLang="en-US" dirty="0"/>
           </a:p>
         </p:txBody>
       </p:sp>
@@ -7098,7 +7135,7 @@
           <a:blip r:embed="rId2" cstate="print">
             <a:extLst>
               <a:ext uri="{28A0092B-C50C-407E-A947-70E740481C1C}">
-                <a14:useLocalDpi xmlns:a14="http://schemas.microsoft.com/office/drawing/2010/main" xmlns="" val="0"/>
+                <a14:useLocalDpi xmlns="" xmlns:a14="http://schemas.microsoft.com/office/drawing/2010/main" val="0"/>
               </a:ext>
             </a:extLst>
           </a:blip>
@@ -7119,7 +7156,7 @@
     </p:spTree>
     <p:extLst>
       <p:ext uri="{BB962C8B-B14F-4D97-AF65-F5344CB8AC3E}">
-        <p14:creationId xmlns:p14="http://schemas.microsoft.com/office/powerpoint/2010/main" xmlns="" val="2422148939"/>
+        <p14:creationId xmlns="" xmlns:p14="http://schemas.microsoft.com/office/powerpoint/2010/main" val="2422148939"/>
       </p:ext>
     </p:extLst>
   </p:cSld>
@@ -7449,7 +7486,7 @@
           <a:blip r:embed="rId2" cstate="print">
             <a:extLst>
               <a:ext uri="{28A0092B-C50C-407E-A947-70E740481C1C}">
-                <a14:useLocalDpi xmlns:a14="http://schemas.microsoft.com/office/drawing/2010/main" xmlns="" val="0"/>
+                <a14:useLocalDpi xmlns="" xmlns:a14="http://schemas.microsoft.com/office/drawing/2010/main" val="0"/>
               </a:ext>
             </a:extLst>
           </a:blip>
@@ -7470,7 +7507,7 @@
     </p:spTree>
     <p:extLst>
       <p:ext uri="{BB962C8B-B14F-4D97-AF65-F5344CB8AC3E}">
-        <p14:creationId xmlns:p14="http://schemas.microsoft.com/office/powerpoint/2010/main" xmlns="" val="3748660077"/>
+        <p14:creationId xmlns="" xmlns:p14="http://schemas.microsoft.com/office/powerpoint/2010/main" val="3748660077"/>
       </p:ext>
     </p:extLst>
   </p:cSld>
@@ -7560,7 +7597,7 @@
           <p:cNvPr id="2" name="TextBox 1">
             <a:extLst>
               <a:ext uri="{FF2B5EF4-FFF2-40B4-BE49-F238E27FC236}">
-                <a16:creationId xmlns:a16="http://schemas.microsoft.com/office/drawing/2014/main" xmlns="" id="{45A88A1B-1033-EC9B-4397-8DEBE3D05E06}"/>
+                <a16:creationId xmlns="" xmlns:a16="http://schemas.microsoft.com/office/drawing/2014/main" id="{45A88A1B-1033-EC9B-4397-8DEBE3D05E06}"/>
               </a:ext>
             </a:extLst>
           </p:cNvPr>
@@ -7853,7 +7890,7 @@
     </p:spTree>
     <p:extLst>
       <p:ext uri="{BB962C8B-B14F-4D97-AF65-F5344CB8AC3E}">
-        <p14:creationId xmlns:p14="http://schemas.microsoft.com/office/powerpoint/2010/main" xmlns="" val="3921649124"/>
+        <p14:creationId xmlns="" xmlns:p14="http://schemas.microsoft.com/office/powerpoint/2010/main" val="3921649124"/>
       </p:ext>
     </p:extLst>
   </p:cSld>
@@ -7889,7 +7926,7 @@
           <p:nvPr>
             <p:extLst>
               <p:ext uri="{D42A27DB-BD31-4B8C-83A1-F6EECF244321}">
-                <p14:modId xmlns:p14="http://schemas.microsoft.com/office/powerpoint/2010/main" xmlns="" val="1223694008"/>
+                <p14:modId xmlns="" xmlns:p14="http://schemas.microsoft.com/office/powerpoint/2010/main" val="1223694008"/>
               </p:ext>
             </p:extLst>
           </p:nvPr>
@@ -7908,28 +7945,28 @@
                 <a:gridCol w="2318386">
                   <a:extLst>
                     <a:ext uri="{9D8B030D-6E8A-4147-A177-3AD203B41FA5}">
-                      <a16:colId xmlns:a16="http://schemas.microsoft.com/office/drawing/2014/main" xmlns="" val="20000"/>
+                      <a16:colId xmlns="" xmlns:a16="http://schemas.microsoft.com/office/drawing/2014/main" val="20000"/>
                     </a:ext>
                   </a:extLst>
                 </a:gridCol>
                 <a:gridCol w="1872000">
                   <a:extLst>
                     <a:ext uri="{9D8B030D-6E8A-4147-A177-3AD203B41FA5}">
-                      <a16:colId xmlns:a16="http://schemas.microsoft.com/office/drawing/2014/main" xmlns="" val="20001"/>
+                      <a16:colId xmlns="" xmlns:a16="http://schemas.microsoft.com/office/drawing/2014/main" val="20001"/>
                     </a:ext>
                   </a:extLst>
                 </a:gridCol>
                 <a:gridCol w="1872000">
                   <a:extLst>
                     <a:ext uri="{9D8B030D-6E8A-4147-A177-3AD203B41FA5}">
-                      <a16:colId xmlns:a16="http://schemas.microsoft.com/office/drawing/2014/main" xmlns="" val="20003"/>
+                      <a16:colId xmlns="" xmlns:a16="http://schemas.microsoft.com/office/drawing/2014/main" val="20003"/>
                     </a:ext>
                   </a:extLst>
                 </a:gridCol>
                 <a:gridCol w="1872000">
                   <a:extLst>
                     <a:ext uri="{9D8B030D-6E8A-4147-A177-3AD203B41FA5}">
-                      <a16:colId xmlns:a16="http://schemas.microsoft.com/office/drawing/2014/main" xmlns="" val="20009"/>
+                      <a16:colId xmlns="" xmlns:a16="http://schemas.microsoft.com/office/drawing/2014/main" val="20009"/>
                     </a:ext>
                   </a:extLst>
                 </a:gridCol>
@@ -8349,7 +8386,7 @@
                 </a:tc>
                 <a:extLst>
                   <a:ext uri="{0D108BD9-81ED-4DB2-BD59-A6C34878D82A}">
-                    <a16:rowId xmlns:a16="http://schemas.microsoft.com/office/drawing/2014/main" xmlns="" val="10001"/>
+                    <a16:rowId xmlns="" xmlns:a16="http://schemas.microsoft.com/office/drawing/2014/main" val="10001"/>
                   </a:ext>
                 </a:extLst>
               </a:tr>
@@ -8502,7 +8539,7 @@
                 </a:tc>
                 <a:extLst>
                   <a:ext uri="{0D108BD9-81ED-4DB2-BD59-A6C34878D82A}">
-                    <a16:rowId xmlns:a16="http://schemas.microsoft.com/office/drawing/2014/main" xmlns="" val="10002"/>
+                    <a16:rowId xmlns="" xmlns:a16="http://schemas.microsoft.com/office/drawing/2014/main" val="10002"/>
                   </a:ext>
                 </a:extLst>
               </a:tr>
@@ -9446,7 +9483,7 @@
           <a:blip r:embed="rId2" cstate="print">
             <a:extLst>
               <a:ext uri="{28A0092B-C50C-407E-A947-70E740481C1C}">
-                <a14:useLocalDpi xmlns:a14="http://schemas.microsoft.com/office/drawing/2010/main" xmlns="" val="0"/>
+                <a14:useLocalDpi xmlns="" xmlns:a14="http://schemas.microsoft.com/office/drawing/2010/main" val="0"/>
               </a:ext>
             </a:extLst>
           </a:blip>
@@ -9469,7 +9506,7 @@
           <p:cNvPr id="2" name="직사각형 1">
             <a:extLst>
               <a:ext uri="{FF2B5EF4-FFF2-40B4-BE49-F238E27FC236}">
-                <a16:creationId xmlns:a16="http://schemas.microsoft.com/office/drawing/2014/main" xmlns="" id="{BECE05B4-F2F8-E933-52D0-A00C5E48AD93}"/>
+                <a16:creationId xmlns="" xmlns:a16="http://schemas.microsoft.com/office/drawing/2014/main" id="{BECE05B4-F2F8-E933-52D0-A00C5E48AD93}"/>
               </a:ext>
             </a:extLst>
           </p:cNvPr>
@@ -9541,7 +9578,7 @@
           <p:cNvPr id="5" name="직사각형 4">
             <a:extLst>
               <a:ext uri="{FF2B5EF4-FFF2-40B4-BE49-F238E27FC236}">
-                <a16:creationId xmlns:a16="http://schemas.microsoft.com/office/drawing/2014/main" xmlns="" id="{ED9EE3C2-D821-8C10-CCCA-BCBCA5789CA0}"/>
+                <a16:creationId xmlns="" xmlns:a16="http://schemas.microsoft.com/office/drawing/2014/main" id="{ED9EE3C2-D821-8C10-CCCA-BCBCA5789CA0}"/>
               </a:ext>
             </a:extLst>
           </p:cNvPr>
@@ -9613,7 +9650,7 @@
           <p:cNvPr id="14" name="직사각형 13">
             <a:extLst>
               <a:ext uri="{FF2B5EF4-FFF2-40B4-BE49-F238E27FC236}">
-                <a16:creationId xmlns:a16="http://schemas.microsoft.com/office/drawing/2014/main" xmlns="" id="{BF02E885-ACB3-1084-57AC-EA21A59F8EA6}"/>
+                <a16:creationId xmlns="" xmlns:a16="http://schemas.microsoft.com/office/drawing/2014/main" id="{BF02E885-ACB3-1084-57AC-EA21A59F8EA6}"/>
               </a:ext>
             </a:extLst>
           </p:cNvPr>
@@ -9685,7 +9722,7 @@
           <p:cNvPr id="20" name="직사각형 19">
             <a:extLst>
               <a:ext uri="{FF2B5EF4-FFF2-40B4-BE49-F238E27FC236}">
-                <a16:creationId xmlns:a16="http://schemas.microsoft.com/office/drawing/2014/main" xmlns="" id="{60177F45-2C2E-F507-2271-3DF08384C044}"/>
+                <a16:creationId xmlns="" xmlns:a16="http://schemas.microsoft.com/office/drawing/2014/main" id="{60177F45-2C2E-F507-2271-3DF08384C044}"/>
               </a:ext>
             </a:extLst>
           </p:cNvPr>
@@ -9694,8 +9731,8 @@
         </p:nvSpPr>
         <p:spPr>
           <a:xfrm>
-            <a:off x="4789253" y="3319634"/>
-            <a:ext cx="862867" cy="210619"/>
+            <a:off x="4143372" y="3286125"/>
+            <a:ext cx="1428760" cy="214313"/>
           </a:xfrm>
           <a:prstGeom prst="rect">
             <a:avLst/>
@@ -9757,7 +9794,7 @@
           <p:cNvPr id="21" name="직사각형 20">
             <a:extLst>
               <a:ext uri="{FF2B5EF4-FFF2-40B4-BE49-F238E27FC236}">
-                <a16:creationId xmlns:a16="http://schemas.microsoft.com/office/drawing/2014/main" xmlns="" id="{0C8AD6E3-C41B-5A09-3AD6-83CBE395AC6D}"/>
+                <a16:creationId xmlns="" xmlns:a16="http://schemas.microsoft.com/office/drawing/2014/main" id="{0C8AD6E3-C41B-5A09-3AD6-83CBE395AC6D}"/>
               </a:ext>
             </a:extLst>
           </p:cNvPr>
@@ -9766,8 +9803,8 @@
         </p:nvSpPr>
         <p:spPr>
           <a:xfrm>
-            <a:off x="5652120" y="3701830"/>
-            <a:ext cx="1040032" cy="210619"/>
+            <a:off x="5214942" y="3714752"/>
+            <a:ext cx="1428760" cy="227236"/>
           </a:xfrm>
           <a:prstGeom prst="rect">
             <a:avLst/>
@@ -9829,7 +9866,7 @@
           <p:cNvPr id="22" name="직사각형 21">
             <a:extLst>
               <a:ext uri="{FF2B5EF4-FFF2-40B4-BE49-F238E27FC236}">
-                <a16:creationId xmlns:a16="http://schemas.microsoft.com/office/drawing/2014/main" xmlns="" id="{2E9D7D50-E1BF-39DA-3574-A41273EC79DD}"/>
+                <a16:creationId xmlns="" xmlns:a16="http://schemas.microsoft.com/office/drawing/2014/main" id="{2E9D7D50-E1BF-39DA-3574-A41273EC79DD}"/>
               </a:ext>
             </a:extLst>
           </p:cNvPr>
@@ -9838,8 +9875,8 @@
         </p:nvSpPr>
         <p:spPr>
           <a:xfrm>
-            <a:off x="5652120" y="4028681"/>
-            <a:ext cx="1040032" cy="210619"/>
+            <a:off x="5214942" y="4071942"/>
+            <a:ext cx="1428760" cy="257575"/>
           </a:xfrm>
           <a:prstGeom prst="rect">
             <a:avLst/>
@@ -9896,10 +9933,298 @@
           </a:p>
         </p:txBody>
       </p:sp>
+      <p:sp>
+        <p:nvSpPr>
+          <p:cNvPr id="32" name="직사각형 31">
+            <a:extLst>
+              <a:ext uri="{FF2B5EF4-FFF2-40B4-BE49-F238E27FC236}">
+                <a16:creationId xmlns="" xmlns:a16="http://schemas.microsoft.com/office/drawing/2014/main" id="{2E9D7D50-E1BF-39DA-3574-A41273EC79DD}"/>
+              </a:ext>
+            </a:extLst>
+          </p:cNvPr>
+          <p:cNvSpPr/>
+          <p:nvPr/>
+        </p:nvSpPr>
+        <p:spPr>
+          <a:xfrm>
+            <a:off x="5643570" y="4429132"/>
+            <a:ext cx="1643074" cy="257575"/>
+          </a:xfrm>
+          <a:prstGeom prst="rect">
+            <a:avLst/>
+          </a:prstGeom>
+          <a:solidFill>
+            <a:schemeClr val="bg2">
+              <a:lumMod val="75000"/>
+            </a:schemeClr>
+          </a:solidFill>
+          <a:ln>
+            <a:solidFill>
+              <a:schemeClr val="bg2"/>
+            </a:solidFill>
+          </a:ln>
+        </p:spPr>
+        <p:style>
+          <a:lnRef idx="2">
+            <a:schemeClr val="accent1">
+              <a:shade val="50000"/>
+            </a:schemeClr>
+          </a:lnRef>
+          <a:fillRef idx="1">
+            <a:schemeClr val="accent1"/>
+          </a:fillRef>
+          <a:effectRef idx="0">
+            <a:schemeClr val="accent1"/>
+          </a:effectRef>
+          <a:fontRef idx="minor">
+            <a:schemeClr val="lt1"/>
+          </a:fontRef>
+        </p:style>
+        <p:txBody>
+          <a:bodyPr rot="0" spcFirstLastPara="0" vertOverflow="overflow" horzOverflow="overflow" vert="horz" wrap="square" lIns="91440" tIns="45720" rIns="91440" bIns="45720" numCol="1" spcCol="0" rtlCol="0" fromWordArt="0" anchor="ctr" anchorCtr="0" forceAA="0" compatLnSpc="1">
+            <a:prstTxWarp prst="textNoShape">
+              <a:avLst/>
+            </a:prstTxWarp>
+            <a:noAutofit/>
+          </a:bodyPr>
+          <a:lstStyle/>
+          <a:p>
+            <a:pPr algn="ctr" fontAlgn="auto">
+              <a:spcBef>
+                <a:spcPts val="0"/>
+              </a:spcBef>
+              <a:spcAft>
+                <a:spcPts val="0"/>
+              </a:spcAft>
+            </a:pPr>
+            <a:endParaRPr kumimoji="0" lang="ko-KR" altLang="en-US" sz="1200" b="1" dirty="0">
+              <a:solidFill>
+                <a:srgbClr val="EBEBF0"/>
+              </a:solidFill>
+            </a:endParaRPr>
+          </a:p>
+        </p:txBody>
+      </p:sp>
+      <p:sp>
+        <p:nvSpPr>
+          <p:cNvPr id="33" name="직사각형 32">
+            <a:extLst>
+              <a:ext uri="{FF2B5EF4-FFF2-40B4-BE49-F238E27FC236}">
+                <a16:creationId xmlns="" xmlns:a16="http://schemas.microsoft.com/office/drawing/2014/main" id="{2E9D7D50-E1BF-39DA-3574-A41273EC79DD}"/>
+              </a:ext>
+            </a:extLst>
+          </p:cNvPr>
+          <p:cNvSpPr/>
+          <p:nvPr/>
+        </p:nvSpPr>
+        <p:spPr>
+          <a:xfrm>
+            <a:off x="6715140" y="5072074"/>
+            <a:ext cx="1714512" cy="257575"/>
+          </a:xfrm>
+          <a:prstGeom prst="rect">
+            <a:avLst/>
+          </a:prstGeom>
+          <a:solidFill>
+            <a:schemeClr val="bg2">
+              <a:lumMod val="75000"/>
+            </a:schemeClr>
+          </a:solidFill>
+          <a:ln>
+            <a:solidFill>
+              <a:schemeClr val="bg2"/>
+            </a:solidFill>
+          </a:ln>
+        </p:spPr>
+        <p:style>
+          <a:lnRef idx="2">
+            <a:schemeClr val="accent1">
+              <a:shade val="50000"/>
+            </a:schemeClr>
+          </a:lnRef>
+          <a:fillRef idx="1">
+            <a:schemeClr val="accent1"/>
+          </a:fillRef>
+          <a:effectRef idx="0">
+            <a:schemeClr val="accent1"/>
+          </a:effectRef>
+          <a:fontRef idx="minor">
+            <a:schemeClr val="lt1"/>
+          </a:fontRef>
+        </p:style>
+        <p:txBody>
+          <a:bodyPr rot="0" spcFirstLastPara="0" vertOverflow="overflow" horzOverflow="overflow" vert="horz" wrap="square" lIns="91440" tIns="45720" rIns="91440" bIns="45720" numCol="1" spcCol="0" rtlCol="0" fromWordArt="0" anchor="ctr" anchorCtr="0" forceAA="0" compatLnSpc="1">
+            <a:prstTxWarp prst="textNoShape">
+              <a:avLst/>
+            </a:prstTxWarp>
+            <a:noAutofit/>
+          </a:bodyPr>
+          <a:lstStyle/>
+          <a:p>
+            <a:pPr algn="ctr" fontAlgn="auto">
+              <a:spcBef>
+                <a:spcPts val="0"/>
+              </a:spcBef>
+              <a:spcAft>
+                <a:spcPts val="0"/>
+              </a:spcAft>
+            </a:pPr>
+            <a:endParaRPr kumimoji="0" lang="ko-KR" altLang="en-US" sz="1200" b="1" dirty="0">
+              <a:solidFill>
+                <a:srgbClr val="EBEBF0"/>
+              </a:solidFill>
+            </a:endParaRPr>
+          </a:p>
+        </p:txBody>
+      </p:sp>
+      <p:sp>
+        <p:nvSpPr>
+          <p:cNvPr id="34" name="직사각형 33">
+            <a:extLst>
+              <a:ext uri="{FF2B5EF4-FFF2-40B4-BE49-F238E27FC236}">
+                <a16:creationId xmlns="" xmlns:a16="http://schemas.microsoft.com/office/drawing/2014/main" id="{2E9D7D50-E1BF-39DA-3574-A41273EC79DD}"/>
+              </a:ext>
+            </a:extLst>
+          </p:cNvPr>
+          <p:cNvSpPr/>
+          <p:nvPr/>
+        </p:nvSpPr>
+        <p:spPr>
+          <a:xfrm>
+            <a:off x="7572396" y="5429264"/>
+            <a:ext cx="857256" cy="257575"/>
+          </a:xfrm>
+          <a:prstGeom prst="rect">
+            <a:avLst/>
+          </a:prstGeom>
+          <a:solidFill>
+            <a:schemeClr val="bg2">
+              <a:lumMod val="75000"/>
+            </a:schemeClr>
+          </a:solidFill>
+          <a:ln>
+            <a:solidFill>
+              <a:schemeClr val="bg2"/>
+            </a:solidFill>
+          </a:ln>
+        </p:spPr>
+        <p:style>
+          <a:lnRef idx="2">
+            <a:schemeClr val="accent1">
+              <a:shade val="50000"/>
+            </a:schemeClr>
+          </a:lnRef>
+          <a:fillRef idx="1">
+            <a:schemeClr val="accent1"/>
+          </a:fillRef>
+          <a:effectRef idx="0">
+            <a:schemeClr val="accent1"/>
+          </a:effectRef>
+          <a:fontRef idx="minor">
+            <a:schemeClr val="lt1"/>
+          </a:fontRef>
+        </p:style>
+        <p:txBody>
+          <a:bodyPr rot="0" spcFirstLastPara="0" vertOverflow="overflow" horzOverflow="overflow" vert="horz" wrap="square" lIns="91440" tIns="45720" rIns="91440" bIns="45720" numCol="1" spcCol="0" rtlCol="0" fromWordArt="0" anchor="ctr" anchorCtr="0" forceAA="0" compatLnSpc="1">
+            <a:prstTxWarp prst="textNoShape">
+              <a:avLst/>
+            </a:prstTxWarp>
+            <a:noAutofit/>
+          </a:bodyPr>
+          <a:lstStyle/>
+          <a:p>
+            <a:pPr algn="ctr" fontAlgn="auto">
+              <a:spcBef>
+                <a:spcPts val="0"/>
+              </a:spcBef>
+              <a:spcAft>
+                <a:spcPts val="0"/>
+              </a:spcAft>
+            </a:pPr>
+            <a:endParaRPr kumimoji="0" lang="ko-KR" altLang="en-US" sz="1200" b="1" dirty="0">
+              <a:solidFill>
+                <a:srgbClr val="EBEBF0"/>
+              </a:solidFill>
+            </a:endParaRPr>
+          </a:p>
+        </p:txBody>
+      </p:sp>
+      <p:sp>
+        <p:nvSpPr>
+          <p:cNvPr id="35" name="직사각형 34">
+            <a:extLst>
+              <a:ext uri="{FF2B5EF4-FFF2-40B4-BE49-F238E27FC236}">
+                <a16:creationId xmlns="" xmlns:a16="http://schemas.microsoft.com/office/drawing/2014/main" id="{2E9D7D50-E1BF-39DA-3574-A41273EC79DD}"/>
+              </a:ext>
+            </a:extLst>
+          </p:cNvPr>
+          <p:cNvSpPr/>
+          <p:nvPr/>
+        </p:nvSpPr>
+        <p:spPr>
+          <a:xfrm>
+            <a:off x="6715140" y="5786454"/>
+            <a:ext cx="1714512" cy="257575"/>
+          </a:xfrm>
+          <a:prstGeom prst="rect">
+            <a:avLst/>
+          </a:prstGeom>
+          <a:solidFill>
+            <a:schemeClr val="bg2">
+              <a:lumMod val="75000"/>
+            </a:schemeClr>
+          </a:solidFill>
+          <a:ln>
+            <a:solidFill>
+              <a:schemeClr val="bg2"/>
+            </a:solidFill>
+          </a:ln>
+        </p:spPr>
+        <p:style>
+          <a:lnRef idx="2">
+            <a:schemeClr val="accent1">
+              <a:shade val="50000"/>
+            </a:schemeClr>
+          </a:lnRef>
+          <a:fillRef idx="1">
+            <a:schemeClr val="accent1"/>
+          </a:fillRef>
+          <a:effectRef idx="0">
+            <a:schemeClr val="accent1"/>
+          </a:effectRef>
+          <a:fontRef idx="minor">
+            <a:schemeClr val="lt1"/>
+          </a:fontRef>
+        </p:style>
+        <p:txBody>
+          <a:bodyPr rot="0" spcFirstLastPara="0" vertOverflow="overflow" horzOverflow="overflow" vert="horz" wrap="square" lIns="91440" tIns="45720" rIns="91440" bIns="45720" numCol="1" spcCol="0" rtlCol="0" fromWordArt="0" anchor="ctr" anchorCtr="0" forceAA="0" compatLnSpc="1">
+            <a:prstTxWarp prst="textNoShape">
+              <a:avLst/>
+            </a:prstTxWarp>
+            <a:noAutofit/>
+          </a:bodyPr>
+          <a:lstStyle/>
+          <a:p>
+            <a:pPr algn="ctr" fontAlgn="auto">
+              <a:spcBef>
+                <a:spcPts val="0"/>
+              </a:spcBef>
+              <a:spcAft>
+                <a:spcPts val="0"/>
+              </a:spcAft>
+            </a:pPr>
+            <a:endParaRPr kumimoji="0" lang="ko-KR" altLang="en-US" sz="1200" b="1" dirty="0">
+              <a:solidFill>
+                <a:srgbClr val="EBEBF0"/>
+              </a:solidFill>
+            </a:endParaRPr>
+          </a:p>
+        </p:txBody>
+      </p:sp>
     </p:spTree>
     <p:extLst>
       <p:ext uri="{BB962C8B-B14F-4D97-AF65-F5344CB8AC3E}">
-        <p14:creationId xmlns:p14="http://schemas.microsoft.com/office/powerpoint/2010/main" xmlns="" val="2842921064"/>
+        <p14:creationId xmlns="" xmlns:p14="http://schemas.microsoft.com/office/powerpoint/2010/main" val="2842921064"/>
       </p:ext>
     </p:extLst>
   </p:cSld>

--- a/PPT/중간프로젝트 기획안 _ (2팀)_20230402_SeokwonNa.pptx
+++ b/PPT/중간프로젝트 기획안 _ (2팀)_20230402_SeokwonNa.pptx
@@ -5,7 +5,7 @@
     <p:sldMasterId id="2147483648" r:id="rId1"/>
   </p:sldMasterIdLst>
   <p:notesMasterIdLst>
-    <p:notesMasterId r:id="rId10"/>
+    <p:notesMasterId r:id="rId8"/>
   </p:notesMasterIdLst>
   <p:sldIdLst>
     <p:sldId id="302" r:id="rId2"/>
@@ -13,17 +13,15 @@
     <p:sldId id="305" r:id="rId4"/>
     <p:sldId id="363" r:id="rId5"/>
     <p:sldId id="364" r:id="rId6"/>
-    <p:sldId id="366" r:id="rId7"/>
-    <p:sldId id="365" r:id="rId8"/>
-    <p:sldId id="360" r:id="rId9"/>
+    <p:sldId id="360" r:id="rId7"/>
   </p:sldIdLst>
   <p:sldSz cx="9144000" cy="6858000" type="screen4x3"/>
   <p:notesSz cx="6858000" cy="9144000"/>
   <p:embeddedFontLst>
     <p:embeddedFont>
       <p:font typeface="맑은 고딕" pitchFamily="50" charset="-127"/>
-      <p:regular r:id="rId11"/>
-      <p:bold r:id="rId12"/>
+      <p:regular r:id="rId9"/>
+      <p:bold r:id="rId10"/>
     </p:embeddedFont>
   </p:embeddedFontLst>
   <p:defaultTextStyle>
@@ -153,7 +151,7 @@
   </p:defaultTextStyle>
   <p:extLst>
     <p:ext uri="{EFAFB233-063F-42B5-8137-9DF3F51BA10A}">
-      <p15:sldGuideLst xmlns="" xmlns:p15="http://schemas.microsoft.com/office/powerpoint/2012/main">
+      <p15:sldGuideLst xmlns:p15="http://schemas.microsoft.com/office/powerpoint/2012/main" xmlns="">
         <p15:guide id="1" orient="horz" pos="2160">
           <p15:clr>
             <a:srgbClr val="A4A3A4"/>
@@ -282,7 +280,7 @@
               <a:pPr>
                 <a:defRPr/>
               </a:pPr>
-              <a:t>2023-04-07</a:t>
+              <a:t>2023-04-10</a:t>
             </a:fld>
             <a:endParaRPr lang="ko-KR" altLang="en-US"/>
           </a:p>
@@ -477,7 +475,7 @@
     </p:spTree>
     <p:extLst>
       <p:ext uri="{BB962C8B-B14F-4D97-AF65-F5344CB8AC3E}">
-        <p14:creationId xmlns="" xmlns:p14="http://schemas.microsoft.com/office/powerpoint/2010/main" val="2298300096"/>
+        <p14:creationId xmlns:p14="http://schemas.microsoft.com/office/powerpoint/2010/main" xmlns="" val="2298300096"/>
       </p:ext>
     </p:extLst>
   </p:cSld>
@@ -796,7 +794,7 @@
               <a:pPr>
                 <a:defRPr/>
               </a:pPr>
-              <a:t>2023-04-07</a:t>
+              <a:t>2023-04-10</a:t>
             </a:fld>
             <a:endParaRPr lang="ko-KR" altLang="en-US"/>
           </a:p>
@@ -864,7 +862,7 @@
     </p:spTree>
     <p:extLst>
       <p:ext uri="{BB962C8B-B14F-4D97-AF65-F5344CB8AC3E}">
-        <p14:creationId xmlns="" xmlns:p14="http://schemas.microsoft.com/office/powerpoint/2010/main" val="3636223116"/>
+        <p14:creationId xmlns:p14="http://schemas.microsoft.com/office/powerpoint/2010/main" xmlns="" val="3636223116"/>
       </p:ext>
     </p:extLst>
   </p:cSld>
@@ -991,7 +989,7 @@
               <a:pPr>
                 <a:defRPr/>
               </a:pPr>
-              <a:t>2023-04-07</a:t>
+              <a:t>2023-04-10</a:t>
             </a:fld>
             <a:endParaRPr lang="ko-KR" altLang="en-US"/>
           </a:p>
@@ -1059,7 +1057,7 @@
     </p:spTree>
     <p:extLst>
       <p:ext uri="{BB962C8B-B14F-4D97-AF65-F5344CB8AC3E}">
-        <p14:creationId xmlns="" xmlns:p14="http://schemas.microsoft.com/office/powerpoint/2010/main" val="1923301270"/>
+        <p14:creationId xmlns:p14="http://schemas.microsoft.com/office/powerpoint/2010/main" xmlns="" val="1923301270"/>
       </p:ext>
     </p:extLst>
   </p:cSld>
@@ -1196,7 +1194,7 @@
               <a:pPr>
                 <a:defRPr/>
               </a:pPr>
-              <a:t>2023-04-07</a:t>
+              <a:t>2023-04-10</a:t>
             </a:fld>
             <a:endParaRPr lang="ko-KR" altLang="en-US"/>
           </a:p>
@@ -1264,7 +1262,7 @@
     </p:spTree>
     <p:extLst>
       <p:ext uri="{BB962C8B-B14F-4D97-AF65-F5344CB8AC3E}">
-        <p14:creationId xmlns="" xmlns:p14="http://schemas.microsoft.com/office/powerpoint/2010/main" val="3408806277"/>
+        <p14:creationId xmlns:p14="http://schemas.microsoft.com/office/powerpoint/2010/main" xmlns="" val="3408806277"/>
       </p:ext>
     </p:extLst>
   </p:cSld>
@@ -1391,7 +1389,7 @@
               <a:pPr>
                 <a:defRPr/>
               </a:pPr>
-              <a:t>2023-04-07</a:t>
+              <a:t>2023-04-10</a:t>
             </a:fld>
             <a:endParaRPr lang="ko-KR" altLang="en-US"/>
           </a:p>
@@ -1459,7 +1457,7 @@
     </p:spTree>
     <p:extLst>
       <p:ext uri="{BB962C8B-B14F-4D97-AF65-F5344CB8AC3E}">
-        <p14:creationId xmlns="" xmlns:p14="http://schemas.microsoft.com/office/powerpoint/2010/main" val="1549668477"/>
+        <p14:creationId xmlns:p14="http://schemas.microsoft.com/office/powerpoint/2010/main" xmlns="" val="1549668477"/>
       </p:ext>
     </p:extLst>
   </p:cSld>
@@ -1663,7 +1661,7 @@
               <a:pPr>
                 <a:defRPr/>
               </a:pPr>
-              <a:t>2023-04-07</a:t>
+              <a:t>2023-04-10</a:t>
             </a:fld>
             <a:endParaRPr lang="ko-KR" altLang="en-US"/>
           </a:p>
@@ -1731,7 +1729,7 @@
     </p:spTree>
     <p:extLst>
       <p:ext uri="{BB962C8B-B14F-4D97-AF65-F5344CB8AC3E}">
-        <p14:creationId xmlns="" xmlns:p14="http://schemas.microsoft.com/office/powerpoint/2010/main" val="1083808973"/>
+        <p14:creationId xmlns:p14="http://schemas.microsoft.com/office/powerpoint/2010/main" xmlns="" val="1083808973"/>
       </p:ext>
     </p:extLst>
   </p:cSld>
@@ -1975,7 +1973,7 @@
               <a:pPr>
                 <a:defRPr/>
               </a:pPr>
-              <a:t>2023-04-07</a:t>
+              <a:t>2023-04-10</a:t>
             </a:fld>
             <a:endParaRPr lang="ko-KR" altLang="en-US"/>
           </a:p>
@@ -2043,7 +2041,7 @@
     </p:spTree>
     <p:extLst>
       <p:ext uri="{BB962C8B-B14F-4D97-AF65-F5344CB8AC3E}">
-        <p14:creationId xmlns="" xmlns:p14="http://schemas.microsoft.com/office/powerpoint/2010/main" val="3910854368"/>
+        <p14:creationId xmlns:p14="http://schemas.microsoft.com/office/powerpoint/2010/main" xmlns="" val="3910854368"/>
       </p:ext>
     </p:extLst>
   </p:cSld>
@@ -2421,7 +2419,7 @@
               <a:pPr>
                 <a:defRPr/>
               </a:pPr>
-              <a:t>2023-04-07</a:t>
+              <a:t>2023-04-10</a:t>
             </a:fld>
             <a:endParaRPr lang="ko-KR" altLang="en-US"/>
           </a:p>
@@ -2489,7 +2487,7 @@
     </p:spTree>
     <p:extLst>
       <p:ext uri="{BB962C8B-B14F-4D97-AF65-F5344CB8AC3E}">
-        <p14:creationId xmlns="" xmlns:p14="http://schemas.microsoft.com/office/powerpoint/2010/main" val="4223930405"/>
+        <p14:creationId xmlns:p14="http://schemas.microsoft.com/office/powerpoint/2010/main" xmlns="" val="4223930405"/>
       </p:ext>
     </p:extLst>
   </p:cSld>
@@ -2565,7 +2563,7 @@
               <a:pPr>
                 <a:defRPr/>
               </a:pPr>
-              <a:t>2023-04-07</a:t>
+              <a:t>2023-04-10</a:t>
             </a:fld>
             <a:endParaRPr lang="ko-KR" altLang="en-US"/>
           </a:p>
@@ -2633,7 +2631,7 @@
     </p:spTree>
     <p:extLst>
       <p:ext uri="{BB962C8B-B14F-4D97-AF65-F5344CB8AC3E}">
-        <p14:creationId xmlns="" xmlns:p14="http://schemas.microsoft.com/office/powerpoint/2010/main" val="418365225"/>
+        <p14:creationId xmlns:p14="http://schemas.microsoft.com/office/powerpoint/2010/main" xmlns="" val="418365225"/>
       </p:ext>
     </p:extLst>
   </p:cSld>
@@ -2780,7 +2778,7 @@
           <a:blip r:embed="rId2" cstate="print">
             <a:extLst>
               <a:ext uri="{28A0092B-C50C-407E-A947-70E740481C1C}">
-                <a14:useLocalDpi xmlns="" xmlns:a14="http://schemas.microsoft.com/office/drawing/2010/main" val="0"/>
+                <a14:useLocalDpi xmlns:a14="http://schemas.microsoft.com/office/drawing/2010/main" xmlns="" val="0"/>
               </a:ext>
             </a:extLst>
           </a:blip>
@@ -2801,7 +2799,7 @@
     </p:spTree>
     <p:extLst>
       <p:ext uri="{BB962C8B-B14F-4D97-AF65-F5344CB8AC3E}">
-        <p14:creationId xmlns="" xmlns:p14="http://schemas.microsoft.com/office/powerpoint/2010/main" val="3368593078"/>
+        <p14:creationId xmlns:p14="http://schemas.microsoft.com/office/powerpoint/2010/main" xmlns="" val="3368593078"/>
       </p:ext>
     </p:extLst>
   </p:cSld>
@@ -3035,7 +3033,7 @@
               <a:pPr>
                 <a:defRPr/>
               </a:pPr>
-              <a:t>2023-04-07</a:t>
+              <a:t>2023-04-10</a:t>
             </a:fld>
             <a:endParaRPr lang="ko-KR" altLang="en-US"/>
           </a:p>
@@ -3103,7 +3101,7 @@
     </p:spTree>
     <p:extLst>
       <p:ext uri="{BB962C8B-B14F-4D97-AF65-F5344CB8AC3E}">
-        <p14:creationId xmlns="" xmlns:p14="http://schemas.microsoft.com/office/powerpoint/2010/main" val="1438917134"/>
+        <p14:creationId xmlns:p14="http://schemas.microsoft.com/office/powerpoint/2010/main" xmlns="" val="1438917134"/>
       </p:ext>
     </p:extLst>
   </p:cSld>
@@ -3317,7 +3315,7 @@
               <a:pPr>
                 <a:defRPr/>
               </a:pPr>
-              <a:t>2023-04-07</a:t>
+              <a:t>2023-04-10</a:t>
             </a:fld>
             <a:endParaRPr lang="ko-KR" altLang="en-US"/>
           </a:p>
@@ -3385,7 +3383,7 @@
     </p:spTree>
     <p:extLst>
       <p:ext uri="{BB962C8B-B14F-4D97-AF65-F5344CB8AC3E}">
-        <p14:creationId xmlns="" xmlns:p14="http://schemas.microsoft.com/office/powerpoint/2010/main" val="344758488"/>
+        <p14:creationId xmlns:p14="http://schemas.microsoft.com/office/powerpoint/2010/main" xmlns="" val="344758488"/>
       </p:ext>
     </p:extLst>
   </p:cSld>
@@ -3444,14 +3442,14 @@
           </a:ln>
           <a:extLst>
             <a:ext uri="{909E8E84-426E-40DD-AFC4-6F175D3DCCD1}">
-              <a14:hiddenFill xmlns="" xmlns:a14="http://schemas.microsoft.com/office/drawing/2010/main">
+              <a14:hiddenFill xmlns:a14="http://schemas.microsoft.com/office/drawing/2010/main" xmlns="">
                 <a:solidFill>
                   <a:srgbClr val="FFFFFF"/>
                 </a:solidFill>
               </a14:hiddenFill>
             </a:ext>
             <a:ext uri="{91240B29-F687-4F45-9708-019B960494DF}">
-              <a14:hiddenLine xmlns="" xmlns:a14="http://schemas.microsoft.com/office/drawing/2010/main" w="9525">
+              <a14:hiddenLine xmlns:a14="http://schemas.microsoft.com/office/drawing/2010/main" xmlns="" w="9525">
                 <a:solidFill>
                   <a:srgbClr val="000000"/>
                 </a:solidFill>
@@ -3502,14 +3500,14 @@
           </a:ln>
           <a:extLst>
             <a:ext uri="{909E8E84-426E-40DD-AFC4-6F175D3DCCD1}">
-              <a14:hiddenFill xmlns="" xmlns:a14="http://schemas.microsoft.com/office/drawing/2010/main">
+              <a14:hiddenFill xmlns:a14="http://schemas.microsoft.com/office/drawing/2010/main" xmlns="">
                 <a:solidFill>
                   <a:srgbClr val="FFFFFF"/>
                 </a:solidFill>
               </a14:hiddenFill>
             </a:ext>
             <a:ext uri="{91240B29-F687-4F45-9708-019B960494DF}">
-              <a14:hiddenLine xmlns="" xmlns:a14="http://schemas.microsoft.com/office/drawing/2010/main" w="9525">
+              <a14:hiddenLine xmlns:a14="http://schemas.microsoft.com/office/drawing/2010/main" xmlns="" w="9525">
                 <a:solidFill>
                   <a:srgbClr val="000000"/>
                 </a:solidFill>
@@ -3613,7 +3611,7 @@
               <a:pPr>
                 <a:defRPr/>
               </a:pPr>
-              <a:t>2023-04-07</a:t>
+              <a:t>2023-04-10</a:t>
             </a:fld>
             <a:endParaRPr lang="ko-KR" altLang="en-US"/>
           </a:p>
@@ -4424,14 +4422,14 @@
           </a:ln>
           <a:extLst>
             <a:ext uri="{909E8E84-426E-40DD-AFC4-6F175D3DCCD1}">
-              <a14:hiddenFill xmlns="" xmlns:a14="http://schemas.microsoft.com/office/drawing/2010/main">
+              <a14:hiddenFill xmlns:a14="http://schemas.microsoft.com/office/drawing/2010/main" xmlns="">
                 <a:solidFill>
                   <a:srgbClr val="FFFFFF"/>
                 </a:solidFill>
               </a14:hiddenFill>
             </a:ext>
             <a:ext uri="{91240B29-F687-4F45-9708-019B960494DF}">
-              <a14:hiddenLine xmlns="" xmlns:a14="http://schemas.microsoft.com/office/drawing/2010/main" w="9525">
+              <a14:hiddenLine xmlns:a14="http://schemas.microsoft.com/office/drawing/2010/main" xmlns="" w="9525">
                 <a:solidFill>
                   <a:srgbClr val="000000"/>
                 </a:solidFill>
@@ -4651,7 +4649,7 @@
           <a:blip r:embed="rId2" cstate="print">
             <a:extLst>
               <a:ext uri="{28A0092B-C50C-407E-A947-70E740481C1C}">
-                <a14:useLocalDpi xmlns="" xmlns:a14="http://schemas.microsoft.com/office/drawing/2010/main" val="0"/>
+                <a14:useLocalDpi xmlns:a14="http://schemas.microsoft.com/office/drawing/2010/main" xmlns="" val="0"/>
               </a:ext>
             </a:extLst>
           </a:blip>
@@ -4691,14 +4689,14 @@
           </a:ln>
           <a:extLst>
             <a:ext uri="{909E8E84-426E-40DD-AFC4-6F175D3DCCD1}">
-              <a14:hiddenFill xmlns="" xmlns:a14="http://schemas.microsoft.com/office/drawing/2010/main">
+              <a14:hiddenFill xmlns:a14="http://schemas.microsoft.com/office/drawing/2010/main" xmlns="">
                 <a:solidFill>
                   <a:srgbClr val="FFFFFF"/>
                 </a:solidFill>
               </a14:hiddenFill>
             </a:ext>
             <a:ext uri="{91240B29-F687-4F45-9708-019B960494DF}">
-              <a14:hiddenLine xmlns="" xmlns:a14="http://schemas.microsoft.com/office/drawing/2010/main" w="9525">
+              <a14:hiddenLine xmlns:a14="http://schemas.microsoft.com/office/drawing/2010/main" xmlns="" w="9525">
                 <a:solidFill>
                   <a:srgbClr val="000000"/>
                 </a:solidFill>
@@ -5341,7 +5339,7 @@
           <a:blip r:embed="rId2" cstate="print">
             <a:extLst>
               <a:ext uri="{28A0092B-C50C-407E-A947-70E740481C1C}">
-                <a14:useLocalDpi xmlns="" xmlns:a14="http://schemas.microsoft.com/office/drawing/2010/main" val="0"/>
+                <a14:useLocalDpi xmlns:a14="http://schemas.microsoft.com/office/drawing/2010/main" xmlns="" val="0"/>
               </a:ext>
             </a:extLst>
           </a:blip>
@@ -5766,7 +5764,7 @@
           <a:blip r:embed="rId2" cstate="print">
             <a:extLst>
               <a:ext uri="{28A0092B-C50C-407E-A947-70E740481C1C}">
-                <a14:useLocalDpi xmlns="" xmlns:a14="http://schemas.microsoft.com/office/drawing/2010/main" val="0"/>
+                <a14:useLocalDpi xmlns:a14="http://schemas.microsoft.com/office/drawing/2010/main" xmlns="" val="0"/>
               </a:ext>
             </a:extLst>
           </a:blip>
@@ -5925,7 +5923,7 @@
           <p:cNvPr id="2" name="TextBox 1">
             <a:extLst>
               <a:ext uri="{FF2B5EF4-FFF2-40B4-BE49-F238E27FC236}">
-                <a16:creationId xmlns="" xmlns:a16="http://schemas.microsoft.com/office/drawing/2014/main" id="{6077AAB8-6F88-2BE8-6991-2B6192D306F4}"/>
+                <a16:creationId xmlns:a16="http://schemas.microsoft.com/office/drawing/2014/main" xmlns="" id="{6077AAB8-6F88-2BE8-6991-2B6192D306F4}"/>
               </a:ext>
             </a:extLst>
           </p:cNvPr>
@@ -5961,7 +5959,7 @@
           <p:cNvPr id="9" name="TextBox 8">
             <a:extLst>
               <a:ext uri="{FF2B5EF4-FFF2-40B4-BE49-F238E27FC236}">
-                <a16:creationId xmlns="" xmlns:a16="http://schemas.microsoft.com/office/drawing/2014/main" id="{6077AAB8-6F88-2BE8-6991-2B6192D306F4}"/>
+                <a16:creationId xmlns:a16="http://schemas.microsoft.com/office/drawing/2014/main" xmlns="" id="{6077AAB8-6F88-2BE8-6991-2B6192D306F4}"/>
               </a:ext>
             </a:extLst>
           </p:cNvPr>
@@ -5986,7 +5984,7 @@
           <a:p>
             <a:r>
               <a:rPr lang="ko-KR" altLang="en-US" dirty="0" smtClean="0"/>
-              <a:t>서울시 아파트 가격에 영향을 미치는 요인분석을 통하여 </a:t>
+              <a:t>급격하게 변하는 아파트의 가격예측의 데이터수집 및 요인파악</a:t>
             </a:r>
             <a:endParaRPr lang="ko-KR" altLang="en-US" dirty="0"/>
           </a:p>
@@ -6435,8 +6433,68 @@
                 </a:solidFill>
                 <a:ea typeface="맑은 고딕" panose="020B0503020000020004" pitchFamily="50" charset="-127"/>
               </a:rPr>
-              <a:t>  -</a:t>
-            </a:r>
+              <a:t>  </a:t>
+            </a:r>
+            <a:r>
+              <a:rPr lang="en-US" altLang="ko-KR" sz="1000" dirty="0" smtClean="0">
+                <a:solidFill>
+                  <a:srgbClr val="4B2F70"/>
+                </a:solidFill>
+                <a:ea typeface="맑은 고딕" panose="020B0503020000020004" pitchFamily="50" charset="-127"/>
+              </a:rPr>
+              <a:t>- </a:t>
+            </a:r>
+            <a:r>
+              <a:rPr lang="ko-KR" altLang="en-US" sz="1000" dirty="0" smtClean="0">
+                <a:solidFill>
+                  <a:srgbClr val="4B2F70"/>
+                </a:solidFill>
+                <a:ea typeface="맑은 고딕" panose="020B0503020000020004" pitchFamily="50" charset="-127"/>
+              </a:rPr>
+              <a:t>데이터 수집 및 전처리</a:t>
+            </a:r>
+            <a:r>
+              <a:rPr lang="en-US" altLang="ko-KR" sz="1000" dirty="0" smtClean="0">
+                <a:solidFill>
+                  <a:srgbClr val="4B2F70"/>
+                </a:solidFill>
+                <a:ea typeface="맑은 고딕" panose="020B0503020000020004" pitchFamily="50" charset="-127"/>
+              </a:rPr>
+              <a:t>, </a:t>
+            </a:r>
+            <a:r>
+              <a:rPr lang="ko-KR" altLang="en-US" sz="1000" dirty="0" smtClean="0">
+                <a:solidFill>
+                  <a:srgbClr val="4B2F70"/>
+                </a:solidFill>
+                <a:ea typeface="맑은 고딕" panose="020B0503020000020004" pitchFamily="50" charset="-127"/>
+              </a:rPr>
+              <a:t>시각화</a:t>
+            </a:r>
+            <a:r>
+              <a:rPr lang="en-US" altLang="ko-KR" sz="1000" dirty="0" smtClean="0">
+                <a:solidFill>
+                  <a:srgbClr val="4B2F70"/>
+                </a:solidFill>
+                <a:ea typeface="맑은 고딕" panose="020B0503020000020004" pitchFamily="50" charset="-127"/>
+              </a:rPr>
+              <a:t>, DB </a:t>
+            </a:r>
+            <a:r>
+              <a:rPr lang="ko-KR" altLang="en-US" sz="1000" dirty="0" smtClean="0">
+                <a:solidFill>
+                  <a:srgbClr val="4B2F70"/>
+                </a:solidFill>
+                <a:ea typeface="맑은 고딕" panose="020B0503020000020004" pitchFamily="50" charset="-127"/>
+              </a:rPr>
+              <a:t>설계</a:t>
+            </a:r>
+            <a:endParaRPr lang="en-US" altLang="ko-KR" sz="1000" dirty="0">
+              <a:solidFill>
+                <a:srgbClr val="4B2F70"/>
+              </a:solidFill>
+              <a:ea typeface="맑은 고딕" panose="020B0503020000020004" pitchFamily="50" charset="-127"/>
+            </a:endParaRPr>
           </a:p>
         </p:txBody>
       </p:sp>
@@ -6696,8 +6754,77 @@
                 </a:solidFill>
                 <a:ea typeface="맑은 고딕" panose="020B0503020000020004" pitchFamily="50" charset="-127"/>
               </a:rPr>
-              <a:t>  -</a:t>
-            </a:r>
+              <a:t>  </a:t>
+            </a:r>
+            <a:r>
+              <a:rPr lang="en-US" altLang="ko-KR" sz="1000" dirty="0" smtClean="0">
+                <a:solidFill>
+                  <a:srgbClr val="4B2F70"/>
+                </a:solidFill>
+                <a:ea typeface="맑은 고딕" panose="020B0503020000020004" pitchFamily="50" charset="-127"/>
+              </a:rPr>
+              <a:t>- </a:t>
+            </a:r>
+            <a:r>
+              <a:rPr lang="ko-KR" altLang="en-US" sz="1000" dirty="0" smtClean="0">
+                <a:solidFill>
+                  <a:srgbClr val="4B2F70"/>
+                </a:solidFill>
+                <a:ea typeface="맑은 고딕" panose="020B0503020000020004" pitchFamily="50" charset="-127"/>
+              </a:rPr>
+              <a:t>데이터 수집 및 전처리</a:t>
+            </a:r>
+            <a:r>
+              <a:rPr lang="en-US" altLang="ko-KR" sz="1000" dirty="0" smtClean="0">
+                <a:solidFill>
+                  <a:srgbClr val="4B2F70"/>
+                </a:solidFill>
+                <a:ea typeface="맑은 고딕" panose="020B0503020000020004" pitchFamily="50" charset="-127"/>
+              </a:rPr>
+              <a:t>, DB </a:t>
+            </a:r>
+            <a:r>
+              <a:rPr lang="ko-KR" altLang="en-US" sz="1000" dirty="0" smtClean="0">
+                <a:solidFill>
+                  <a:srgbClr val="4B2F70"/>
+                </a:solidFill>
+                <a:ea typeface="맑은 고딕" panose="020B0503020000020004" pitchFamily="50" charset="-127"/>
+              </a:rPr>
+              <a:t>설계</a:t>
+            </a:r>
+            <a:r>
+              <a:rPr lang="en-US" altLang="ko-KR" sz="1000" dirty="0" smtClean="0">
+                <a:solidFill>
+                  <a:srgbClr val="4B2F70"/>
+                </a:solidFill>
+                <a:ea typeface="맑은 고딕" panose="020B0503020000020004" pitchFamily="50" charset="-127"/>
+              </a:rPr>
+              <a:t>, </a:t>
+            </a:r>
+            <a:r>
+              <a:rPr lang="en-US" altLang="ko-KR" sz="1000" dirty="0" smtClean="0">
+                <a:solidFill>
+                  <a:srgbClr val="4B2F70"/>
+                </a:solidFill>
+                <a:ea typeface="맑은 고딕" panose="020B0503020000020004" pitchFamily="50" charset="-127"/>
+              </a:rPr>
+              <a:t>PPT </a:t>
+            </a:r>
+            <a:r>
+              <a:rPr lang="ko-KR" altLang="en-US" sz="1000" dirty="0" smtClean="0">
+                <a:solidFill>
+                  <a:srgbClr val="4B2F70"/>
+                </a:solidFill>
+                <a:ea typeface="맑은 고딕" panose="020B0503020000020004" pitchFamily="50" charset="-127"/>
+              </a:rPr>
+              <a:t>발표</a:t>
+            </a:r>
+            <a:endParaRPr lang="en-US" altLang="ko-KR" sz="1000" dirty="0">
+              <a:solidFill>
+                <a:srgbClr val="4B2F70"/>
+              </a:solidFill>
+              <a:ea typeface="맑은 고딕" panose="020B0503020000020004" pitchFamily="50" charset="-127"/>
+            </a:endParaRPr>
           </a:p>
         </p:txBody>
       </p:sp>
@@ -6710,7 +6837,7 @@
         <p:spPr>
           <a:xfrm>
             <a:off x="4932040" y="1598747"/>
-            <a:ext cx="3276000" cy="1508105"/>
+            <a:ext cx="3276000" cy="1254189"/>
           </a:xfrm>
           <a:prstGeom prst="rect">
             <a:avLst/>
@@ -6762,45 +6889,13 @@
               <a:t>  -</a:t>
             </a:r>
             <a:r>
-              <a:rPr lang="ko-KR" altLang="en-US" sz="1100" dirty="0">
+              <a:rPr lang="ko-KR" altLang="en-US" sz="1100" dirty="0" smtClean="0">
                 <a:solidFill>
                   <a:srgbClr val="4B2F70"/>
                 </a:solidFill>
                 <a:ea typeface="맑은 고딕" panose="020B0503020000020004" pitchFamily="50" charset="-127"/>
               </a:rPr>
               <a:t>팀원</a:t>
-            </a:r>
-            <a:endParaRPr lang="en-US" altLang="ko-KR" sz="1100" dirty="0">
-              <a:solidFill>
-                <a:srgbClr val="4B2F70"/>
-              </a:solidFill>
-              <a:ea typeface="맑은 고딕" panose="020B0503020000020004" pitchFamily="50" charset="-127"/>
-            </a:endParaRPr>
-          </a:p>
-          <a:p>
-            <a:pPr>
-              <a:lnSpc>
-                <a:spcPct val="150000"/>
-              </a:lnSpc>
-              <a:defRPr/>
-            </a:pPr>
-            <a:r>
-              <a:rPr lang="en-US" altLang="ko-KR" sz="1100" dirty="0">
-                <a:solidFill>
-                  <a:srgbClr val="4B2F70"/>
-                </a:solidFill>
-                <a:ea typeface="맑은 고딕" panose="020B0503020000020004" pitchFamily="50" charset="-127"/>
-              </a:rPr>
-              <a:t>  -</a:t>
-            </a:r>
-            <a:r>
-              <a:rPr lang="ko-KR" altLang="en-US" sz="1100" dirty="0">
-                <a:solidFill>
-                  <a:srgbClr val="4B2F70"/>
-                </a:solidFill>
-                <a:ea typeface="맑은 고딕" panose="020B0503020000020004" pitchFamily="50" charset="-127"/>
-              </a:rPr>
-              <a:t>발표</a:t>
             </a:r>
             <a:endParaRPr lang="en-US" altLang="ko-KR" sz="1100" dirty="0">
               <a:solidFill>
@@ -6857,8 +6952,86 @@
                 </a:solidFill>
                 <a:ea typeface="맑은 고딕" panose="020B0503020000020004" pitchFamily="50" charset="-127"/>
               </a:rPr>
-              <a:t>  -</a:t>
-            </a:r>
+              <a:t>  </a:t>
+            </a:r>
+            <a:r>
+              <a:rPr lang="en-US" altLang="ko-KR" sz="1000" dirty="0" smtClean="0">
+                <a:solidFill>
+                  <a:srgbClr val="4B2F70"/>
+                </a:solidFill>
+                <a:ea typeface="맑은 고딕" panose="020B0503020000020004" pitchFamily="50" charset="-127"/>
+              </a:rPr>
+              <a:t>- </a:t>
+            </a:r>
+            <a:r>
+              <a:rPr lang="ko-KR" altLang="en-US" sz="1000" dirty="0" smtClean="0">
+                <a:solidFill>
+                  <a:srgbClr val="4B2F70"/>
+                </a:solidFill>
+                <a:ea typeface="맑은 고딕" panose="020B0503020000020004" pitchFamily="50" charset="-127"/>
+              </a:rPr>
+              <a:t>데이터 수집 및 </a:t>
+            </a:r>
+            <a:r>
+              <a:rPr lang="ko-KR" altLang="en-US" sz="1000" dirty="0" smtClean="0">
+                <a:solidFill>
+                  <a:srgbClr val="4B2F70"/>
+                </a:solidFill>
+                <a:ea typeface="맑은 고딕" panose="020B0503020000020004" pitchFamily="50" charset="-127"/>
+              </a:rPr>
+              <a:t>전처리</a:t>
+            </a:r>
+            <a:r>
+              <a:rPr lang="en-US" altLang="ko-KR" sz="1000" dirty="0" smtClean="0">
+                <a:solidFill>
+                  <a:srgbClr val="4B2F70"/>
+                </a:solidFill>
+                <a:ea typeface="맑은 고딕" panose="020B0503020000020004" pitchFamily="50" charset="-127"/>
+              </a:rPr>
+              <a:t>, PPT </a:t>
+            </a:r>
+            <a:r>
+              <a:rPr lang="ko-KR" altLang="en-US" sz="1000" dirty="0" smtClean="0">
+                <a:solidFill>
+                  <a:srgbClr val="4B2F70"/>
+                </a:solidFill>
+                <a:ea typeface="맑은 고딕" panose="020B0503020000020004" pitchFamily="50" charset="-127"/>
+              </a:rPr>
+              <a:t>작성</a:t>
+            </a:r>
+            <a:r>
+              <a:rPr lang="en-US" altLang="ko-KR" sz="1000" dirty="0" smtClean="0">
+                <a:solidFill>
+                  <a:srgbClr val="4B2F70"/>
+                </a:solidFill>
+                <a:ea typeface="맑은 고딕" panose="020B0503020000020004" pitchFamily="50" charset="-127"/>
+              </a:rPr>
+              <a:t>, DB </a:t>
+            </a:r>
+            <a:r>
+              <a:rPr lang="ko-KR" altLang="en-US" sz="1000" dirty="0" smtClean="0">
+                <a:solidFill>
+                  <a:srgbClr val="4B2F70"/>
+                </a:solidFill>
+                <a:ea typeface="맑은 고딕" panose="020B0503020000020004" pitchFamily="50" charset="-127"/>
+              </a:rPr>
+              <a:t>설</a:t>
+            </a:r>
+            <a:r>
+              <a:rPr lang="ko-KR" altLang="en-US" sz="1000" dirty="0" smtClean="0">
+                <a:solidFill>
+                  <a:srgbClr val="4B2F70"/>
+                </a:solidFill>
+                <a:ea typeface="맑은 고딕" panose="020B0503020000020004" pitchFamily="50" charset="-127"/>
+              </a:rPr>
+              <a:t>계</a:t>
+            </a:r>
+            <a:endParaRPr lang="en-US" altLang="ko-KR" sz="1000" dirty="0">
+              <a:solidFill>
+                <a:srgbClr val="4B2F70"/>
+              </a:solidFill>
+              <a:ea typeface="맑은 고딕" panose="020B0503020000020004" pitchFamily="50" charset="-127"/>
+            </a:endParaRPr>
           </a:p>
         </p:txBody>
       </p:sp>
@@ -7118,8 +7291,77 @@
                 </a:solidFill>
                 <a:ea typeface="맑은 고딕" panose="020B0503020000020004" pitchFamily="50" charset="-127"/>
               </a:rPr>
-              <a:t>  -</a:t>
-            </a:r>
+              <a:t>  </a:t>
+            </a:r>
+            <a:r>
+              <a:rPr lang="en-US" altLang="ko-KR" sz="1000" dirty="0" smtClean="0">
+                <a:solidFill>
+                  <a:srgbClr val="4B2F70"/>
+                </a:solidFill>
+                <a:ea typeface="맑은 고딕" panose="020B0503020000020004" pitchFamily="50" charset="-127"/>
+              </a:rPr>
+              <a:t>- </a:t>
+            </a:r>
+            <a:r>
+              <a:rPr lang="ko-KR" altLang="en-US" sz="1000" dirty="0" smtClean="0">
+                <a:solidFill>
+                  <a:srgbClr val="4B2F70"/>
+                </a:solidFill>
+                <a:ea typeface="맑은 고딕" panose="020B0503020000020004" pitchFamily="50" charset="-127"/>
+              </a:rPr>
+              <a:t>데이터 수집 및 </a:t>
+            </a:r>
+            <a:r>
+              <a:rPr lang="ko-KR" altLang="en-US" sz="1000" dirty="0" smtClean="0">
+                <a:solidFill>
+                  <a:srgbClr val="4B2F70"/>
+                </a:solidFill>
+                <a:ea typeface="맑은 고딕" panose="020B0503020000020004" pitchFamily="50" charset="-127"/>
+              </a:rPr>
+              <a:t>전처리</a:t>
+            </a:r>
+            <a:r>
+              <a:rPr lang="en-US" altLang="ko-KR" sz="1000" dirty="0" smtClean="0">
+                <a:solidFill>
+                  <a:srgbClr val="4B2F70"/>
+                </a:solidFill>
+                <a:ea typeface="맑은 고딕" panose="020B0503020000020004" pitchFamily="50" charset="-127"/>
+              </a:rPr>
+              <a:t>, PPT </a:t>
+            </a:r>
+            <a:r>
+              <a:rPr lang="ko-KR" altLang="en-US" sz="1000" dirty="0" smtClean="0">
+                <a:solidFill>
+                  <a:srgbClr val="4B2F70"/>
+                </a:solidFill>
+                <a:ea typeface="맑은 고딕" panose="020B0503020000020004" pitchFamily="50" charset="-127"/>
+              </a:rPr>
+              <a:t>작</a:t>
+            </a:r>
+            <a:r>
+              <a:rPr lang="ko-KR" altLang="en-US" sz="1000" dirty="0" smtClean="0">
+                <a:solidFill>
+                  <a:srgbClr val="4B2F70"/>
+                </a:solidFill>
+                <a:ea typeface="맑은 고딕" panose="020B0503020000020004" pitchFamily="50" charset="-127"/>
+              </a:rPr>
+              <a:t>성</a:t>
+            </a:r>
+            <a:r>
+              <a:rPr lang="en-US" altLang="ko-KR" sz="1000" dirty="0" smtClean="0">
+                <a:solidFill>
+                  <a:srgbClr val="4B2F70"/>
+                </a:solidFill>
+                <a:ea typeface="맑은 고딕" panose="020B0503020000020004" pitchFamily="50" charset="-127"/>
+              </a:rPr>
+              <a:t> </a:t>
+            </a:r>
+            <a:endParaRPr lang="en-US" altLang="ko-KR" sz="1000" dirty="0">
+              <a:solidFill>
+                <a:srgbClr val="4B2F70"/>
+              </a:solidFill>
+              <a:ea typeface="맑은 고딕" panose="020B0503020000020004" pitchFamily="50" charset="-127"/>
+            </a:endParaRPr>
           </a:p>
         </p:txBody>
       </p:sp>
@@ -7135,7 +7377,7 @@
           <a:blip r:embed="rId2" cstate="print">
             <a:extLst>
               <a:ext uri="{28A0092B-C50C-407E-A947-70E740481C1C}">
-                <a14:useLocalDpi xmlns="" xmlns:a14="http://schemas.microsoft.com/office/drawing/2010/main" val="0"/>
+                <a14:useLocalDpi xmlns:a14="http://schemas.microsoft.com/office/drawing/2010/main" xmlns="" val="0"/>
               </a:ext>
             </a:extLst>
           </a:blip>
@@ -7156,7 +7398,7 @@
     </p:spTree>
     <p:extLst>
       <p:ext uri="{BB962C8B-B14F-4D97-AF65-F5344CB8AC3E}">
-        <p14:creationId xmlns="" xmlns:p14="http://schemas.microsoft.com/office/powerpoint/2010/main" val="2422148939"/>
+        <p14:creationId xmlns:p14="http://schemas.microsoft.com/office/powerpoint/2010/main" xmlns="" val="2422148939"/>
       </p:ext>
     </p:extLst>
   </p:cSld>
@@ -7406,13 +7648,22 @@
               <a:t>  -</a:t>
             </a:r>
             <a:r>
-              <a:rPr lang="ko-KR" altLang="en-US" sz="1100" dirty="0">
+              <a:rPr lang="ko-KR" altLang="en-US" sz="1100" dirty="0" smtClean="0">
                 <a:solidFill>
                   <a:srgbClr val="4B2F70"/>
                 </a:solidFill>
                 <a:ea typeface="맑은 고딕" panose="020B0503020000020004" pitchFamily="50" charset="-127"/>
               </a:rPr>
-              <a:t>팀장</a:t>
+              <a:t>팀</a:t>
+            </a:r>
+            <a:r>
+              <a:rPr lang="ko-KR" altLang="en-US" sz="1100" dirty="0" smtClean="0">
+                <a:solidFill>
+                  <a:srgbClr val="4B2F70"/>
+                </a:solidFill>
+                <a:ea typeface="맑은 고딕" panose="020B0503020000020004" pitchFamily="50" charset="-127"/>
+              </a:rPr>
+              <a:t>원</a:t>
             </a:r>
             <a:endParaRPr lang="en-US" altLang="ko-KR" sz="1100" dirty="0">
               <a:solidFill>
@@ -7469,8 +7720,68 @@
                 </a:solidFill>
                 <a:ea typeface="맑은 고딕" panose="020B0503020000020004" pitchFamily="50" charset="-127"/>
               </a:rPr>
-              <a:t>  -</a:t>
-            </a:r>
+              <a:t>  </a:t>
+            </a:r>
+            <a:r>
+              <a:rPr lang="en-US" altLang="ko-KR" sz="1000" dirty="0" smtClean="0">
+                <a:solidFill>
+                  <a:srgbClr val="4B2F70"/>
+                </a:solidFill>
+                <a:ea typeface="맑은 고딕" panose="020B0503020000020004" pitchFamily="50" charset="-127"/>
+              </a:rPr>
+              <a:t>- </a:t>
+            </a:r>
+            <a:r>
+              <a:rPr lang="ko-KR" altLang="en-US" sz="1000" dirty="0" smtClean="0">
+                <a:solidFill>
+                  <a:srgbClr val="4B2F70"/>
+                </a:solidFill>
+                <a:ea typeface="맑은 고딕" panose="020B0503020000020004" pitchFamily="50" charset="-127"/>
+              </a:rPr>
+              <a:t>데이터 수집 및 전처리</a:t>
+            </a:r>
+            <a:r>
+              <a:rPr lang="en-US" altLang="ko-KR" sz="1000" dirty="0" smtClean="0">
+                <a:solidFill>
+                  <a:srgbClr val="4B2F70"/>
+                </a:solidFill>
+                <a:ea typeface="맑은 고딕" panose="020B0503020000020004" pitchFamily="50" charset="-127"/>
+              </a:rPr>
+              <a:t>, </a:t>
+            </a:r>
+            <a:r>
+              <a:rPr lang="ko-KR" altLang="en-US" sz="1000" dirty="0" smtClean="0">
+                <a:solidFill>
+                  <a:srgbClr val="4B2F70"/>
+                </a:solidFill>
+                <a:ea typeface="맑은 고딕" panose="020B0503020000020004" pitchFamily="50" charset="-127"/>
+              </a:rPr>
+              <a:t>데이터 시각화</a:t>
+            </a:r>
+            <a:r>
+              <a:rPr lang="en-US" altLang="ko-KR" sz="1000" dirty="0" smtClean="0">
+                <a:solidFill>
+                  <a:srgbClr val="4B2F70"/>
+                </a:solidFill>
+                <a:ea typeface="맑은 고딕" panose="020B0503020000020004" pitchFamily="50" charset="-127"/>
+              </a:rPr>
+              <a:t>, PPT </a:t>
+            </a:r>
+            <a:r>
+              <a:rPr lang="ko-KR" altLang="en-US" sz="1000" dirty="0" smtClean="0">
+                <a:solidFill>
+                  <a:srgbClr val="4B2F70"/>
+                </a:solidFill>
+                <a:ea typeface="맑은 고딕" panose="020B0503020000020004" pitchFamily="50" charset="-127"/>
+              </a:rPr>
+              <a:t>발표</a:t>
+            </a:r>
+            <a:endParaRPr lang="en-US" altLang="ko-KR" sz="1000" dirty="0">
+              <a:solidFill>
+                <a:srgbClr val="4B2F70"/>
+              </a:solidFill>
+              <a:ea typeface="맑은 고딕" panose="020B0503020000020004" pitchFamily="50" charset="-127"/>
+            </a:endParaRPr>
           </a:p>
         </p:txBody>
       </p:sp>
@@ -7486,7 +7797,7 @@
           <a:blip r:embed="rId2" cstate="print">
             <a:extLst>
               <a:ext uri="{28A0092B-C50C-407E-A947-70E740481C1C}">
-                <a14:useLocalDpi xmlns="" xmlns:a14="http://schemas.microsoft.com/office/drawing/2010/main" val="0"/>
+                <a14:useLocalDpi xmlns:a14="http://schemas.microsoft.com/office/drawing/2010/main" xmlns="" val="0"/>
               </a:ext>
             </a:extLst>
           </a:blip>
@@ -7507,7 +7818,7 @@
     </p:spTree>
     <p:extLst>
       <p:ext uri="{BB962C8B-B14F-4D97-AF65-F5344CB8AC3E}">
-        <p14:creationId xmlns="" xmlns:p14="http://schemas.microsoft.com/office/powerpoint/2010/main" val="3748660077"/>
+        <p14:creationId xmlns:p14="http://schemas.microsoft.com/office/powerpoint/2010/main" xmlns="" val="3748660077"/>
       </p:ext>
     </p:extLst>
   </p:cSld>
@@ -7518,389 +7829,6 @@
 </file>
 
 <file path=ppt/slides/slide6.xml><?xml version="1.0" encoding="utf-8"?>
-<p:sld xmlns:a="http://schemas.openxmlformats.org/drawingml/2006/main" xmlns:r="http://schemas.openxmlformats.org/officeDocument/2006/relationships" xmlns:p="http://schemas.openxmlformats.org/presentationml/2006/main">
-  <p:cSld>
-    <p:spTree>
-      <p:nvGrpSpPr>
-        <p:cNvPr id="1" name=""/>
-        <p:cNvGrpSpPr/>
-        <p:nvPr/>
-      </p:nvGrpSpPr>
-      <p:grpSpPr>
-        <a:xfrm>
-          <a:off x="0" y="0"/>
-          <a:ext cx="0" cy="0"/>
-          <a:chOff x="0" y="0"/>
-          <a:chExt cx="0" cy="0"/>
-        </a:xfrm>
-      </p:grpSpPr>
-      <p:pic>
-        <p:nvPicPr>
-          <p:cNvPr id="1026" name="Picture 2"/>
-          <p:cNvPicPr>
-            <a:picLocks noChangeAspect="1" noChangeArrowheads="1"/>
-          </p:cNvPicPr>
-          <p:nvPr/>
-        </p:nvPicPr>
-        <p:blipFill>
-          <a:blip r:embed="rId2"/>
-          <a:srcRect/>
-          <a:stretch>
-            <a:fillRect/>
-          </a:stretch>
-        </p:blipFill>
-        <p:spPr bwMode="auto">
-          <a:xfrm>
-            <a:off x="12700" y="1125538"/>
-            <a:ext cx="9117013" cy="4610100"/>
-          </a:xfrm>
-          <a:prstGeom prst="rect">
-            <a:avLst/>
-          </a:prstGeom>
-          <a:noFill/>
-          <a:ln w="9525">
-            <a:noFill/>
-            <a:miter lim="800000"/>
-            <a:headEnd/>
-            <a:tailEnd/>
-          </a:ln>
-          <a:effectLst/>
-        </p:spPr>
-      </p:pic>
-    </p:spTree>
-  </p:cSld>
-  <p:clrMapOvr>
-    <a:masterClrMapping/>
-  </p:clrMapOvr>
-</p:sld>
-</file>
-
-<file path=ppt/slides/slide7.xml><?xml version="1.0" encoding="utf-8"?>
-<p:sld xmlns:a="http://schemas.openxmlformats.org/drawingml/2006/main" xmlns:r="http://schemas.openxmlformats.org/officeDocument/2006/relationships" xmlns:p="http://schemas.openxmlformats.org/presentationml/2006/main">
-  <p:cSld>
-    <p:spTree>
-      <p:nvGrpSpPr>
-        <p:cNvPr id="1" name=""/>
-        <p:cNvGrpSpPr/>
-        <p:nvPr/>
-      </p:nvGrpSpPr>
-      <p:grpSpPr>
-        <a:xfrm>
-          <a:off x="0" y="0"/>
-          <a:ext cx="0" cy="0"/>
-          <a:chOff x="0" y="0"/>
-          <a:chExt cx="0" cy="0"/>
-        </a:xfrm>
-      </p:grpSpPr>
-      <p:sp>
-        <p:nvSpPr>
-          <p:cNvPr id="2" name="TextBox 1">
-            <a:extLst>
-              <a:ext uri="{FF2B5EF4-FFF2-40B4-BE49-F238E27FC236}">
-                <a16:creationId xmlns="" xmlns:a16="http://schemas.microsoft.com/office/drawing/2014/main" id="{45A88A1B-1033-EC9B-4397-8DEBE3D05E06}"/>
-              </a:ext>
-            </a:extLst>
-          </p:cNvPr>
-          <p:cNvSpPr txBox="1"/>
-          <p:nvPr/>
-        </p:nvSpPr>
-        <p:spPr>
-          <a:xfrm>
-            <a:off x="827584" y="1124744"/>
-            <a:ext cx="6984776" cy="4154984"/>
-          </a:xfrm>
-          <a:prstGeom prst="rect">
-            <a:avLst/>
-          </a:prstGeom>
-          <a:noFill/>
-        </p:spPr>
-        <p:txBody>
-          <a:bodyPr wrap="square" rtlCol="0">
-            <a:spAutoFit/>
-          </a:bodyPr>
-          <a:lstStyle/>
-          <a:p>
-            <a:r>
-              <a:rPr lang="en-US" altLang="ko-KR" sz="1200" dirty="0"/>
-              <a:t>Reference site link:</a:t>
-            </a:r>
-          </a:p>
-          <a:p>
-            <a:pPr marL="342900" indent="-342900">
-              <a:buFont typeface="+mj-lt"/>
-              <a:buAutoNum type="arabicPeriod"/>
-            </a:pPr>
-            <a:r>
-              <a:rPr lang="en-US" altLang="ko-KR" sz="1200" dirty="0">
-                <a:hlinkClick r:id="rId2"/>
-              </a:rPr>
-              <a:t>https://www.mediastat.or.kr/main.html</a:t>
-            </a:r>
-            <a:endParaRPr lang="en-US" altLang="ko-KR" sz="1200" dirty="0"/>
-          </a:p>
-          <a:p>
-            <a:pPr marL="342900" indent="-342900">
-              <a:buFont typeface="+mj-lt"/>
-              <a:buAutoNum type="arabicPeriod"/>
-            </a:pPr>
-            <a:r>
-              <a:rPr lang="en-US" altLang="ko-KR" sz="1200" dirty="0">
-                <a:hlinkClick r:id="rId3"/>
-              </a:rPr>
-              <a:t>https://www.data.go.kr/data/15108061/openapi.do</a:t>
-            </a:r>
-            <a:endParaRPr lang="en-US" altLang="ko-KR" sz="1200" dirty="0"/>
-          </a:p>
-          <a:p>
-            <a:pPr marL="342900" indent="-342900">
-              <a:buFont typeface="+mj-lt"/>
-              <a:buAutoNum type="arabicPeriod"/>
-            </a:pPr>
-            <a:endParaRPr lang="en-US" altLang="ko-KR" sz="1200" dirty="0"/>
-          </a:p>
-          <a:p>
-            <a:pPr marL="800100" lvl="1" indent="-342900">
-              <a:buFont typeface="Arial" panose="020B0604020202020204" pitchFamily="34" charset="0"/>
-              <a:buChar char="•"/>
-            </a:pPr>
-            <a:r>
-              <a:rPr lang="ko-KR" altLang="en-US" sz="1200" dirty="0"/>
-              <a:t>방송통신위원회 </a:t>
-            </a:r>
-            <a:r>
-              <a:rPr lang="ko-KR" altLang="en-US" sz="1200" dirty="0" err="1"/>
-              <a:t>방송통계포털</a:t>
-            </a:r>
-            <a:endParaRPr lang="en-US" altLang="ko-KR" sz="1200" dirty="0"/>
-          </a:p>
-          <a:p>
-            <a:pPr marL="800100" lvl="1" indent="-342900">
-              <a:buFont typeface="Arial" panose="020B0604020202020204" pitchFamily="34" charset="0"/>
-              <a:buChar char="•"/>
-            </a:pPr>
-            <a:r>
-              <a:rPr lang="ko-KR" altLang="en-US" sz="1200" dirty="0"/>
-              <a:t>연구보고서 및 </a:t>
-            </a:r>
-            <a:r>
-              <a:rPr lang="en-US" altLang="ko-KR" sz="1200" dirty="0" err="1"/>
-              <a:t>rawdata</a:t>
-            </a:r>
-            <a:endParaRPr lang="en-US" altLang="ko-KR" sz="1200" dirty="0"/>
-          </a:p>
-          <a:p>
-            <a:pPr marL="342900" indent="-342900">
-              <a:buFont typeface="+mj-lt"/>
-              <a:buAutoNum type="arabicPeriod"/>
-            </a:pPr>
-            <a:r>
-              <a:rPr lang="en-US" altLang="ko-KR" sz="1200" dirty="0">
-                <a:hlinkClick r:id="rId4"/>
-              </a:rPr>
-              <a:t>https://kcc.go.kr/user.do?page=A02020100&amp;dc=</a:t>
-            </a:r>
-            <a:endParaRPr lang="en-US" altLang="ko-KR" sz="1200" dirty="0"/>
-          </a:p>
-          <a:p>
-            <a:pPr marL="800100" lvl="1" indent="-342900">
-              <a:buFont typeface="Arial" panose="020B0604020202020204" pitchFamily="34" charset="0"/>
-              <a:buChar char="•"/>
-            </a:pPr>
-            <a:r>
-              <a:rPr lang="en-US" altLang="ko-KR" sz="1200" dirty="0"/>
-              <a:t>2023</a:t>
-            </a:r>
-            <a:r>
-              <a:rPr lang="ko-KR" altLang="en-US" sz="1200" dirty="0"/>
-              <a:t>년 업무계획</a:t>
-            </a:r>
-            <a:endParaRPr lang="en-US" altLang="ko-KR" sz="1200" dirty="0"/>
-          </a:p>
-          <a:p>
-            <a:pPr marL="228600" indent="-228600">
-              <a:buFont typeface="+mj-lt"/>
-              <a:buAutoNum type="arabicPeriod"/>
-            </a:pPr>
-            <a:r>
-              <a:rPr lang="en-US" altLang="ko-KR" sz="1200" dirty="0">
-                <a:hlinkClick r:id="rId5"/>
-              </a:rPr>
-              <a:t>https://www.kobaco.co.kr/site/adstat/board/report_etc_report/785?cp=1&amp;sv=%EB%B9%85%EB%8D%B0%EC%9D%B4%ED%84%B0&amp;sortOrder=BA_REGDATE&amp;sortDirection=DESC&amp;bcId=report_etc_report&amp;baNotice=false&amp;baCommSelec=false&amp;baOpenDay=true&amp;baUse=true</a:t>
-            </a:r>
-            <a:endParaRPr lang="en-US" altLang="ko-KR" sz="1200" dirty="0"/>
-          </a:p>
-          <a:p>
-            <a:pPr marL="742950" lvl="1" indent="-285750">
-              <a:buFont typeface="Arial" panose="020B0604020202020204" pitchFamily="34" charset="0"/>
-              <a:buChar char="•"/>
-            </a:pPr>
-            <a:r>
-              <a:rPr lang="ko-KR" altLang="en-US" sz="1200" dirty="0"/>
-              <a:t>빅데이터 토픽모델링 기법을 활용한 새 정부 미디어</a:t>
-            </a:r>
-            <a:r>
-              <a:rPr lang="en-US" altLang="ko-KR" sz="1200" dirty="0"/>
-              <a:t>.</a:t>
-            </a:r>
-            <a:r>
-              <a:rPr lang="ko-KR" altLang="en-US" sz="1200" dirty="0"/>
-              <a:t>광고산업 진흥정책 추진과제</a:t>
-            </a:r>
-            <a:endParaRPr lang="en-US" altLang="ko-KR" sz="1200" dirty="0"/>
-          </a:p>
-          <a:p>
-            <a:pPr marL="228600" indent="-228600">
-              <a:buFont typeface="+mj-lt"/>
-              <a:buAutoNum type="arabicPeriod"/>
-            </a:pPr>
-            <a:r>
-              <a:rPr lang="en-US" altLang="ko-KR" sz="1200" dirty="0">
-                <a:hlinkClick r:id="rId6"/>
-              </a:rPr>
-              <a:t>https://www.racoi.or.kr/kobaco/main.do</a:t>
-            </a:r>
-            <a:endParaRPr lang="en-US" altLang="ko-KR" sz="1200" dirty="0"/>
-          </a:p>
-          <a:p>
-            <a:pPr marL="685800" lvl="1" indent="-228600">
-              <a:buFont typeface="Arial" panose="020B0604020202020204" pitchFamily="34" charset="0"/>
-              <a:buChar char="•"/>
-            </a:pPr>
-            <a:r>
-              <a:rPr lang="ko-KR" altLang="en-US" sz="1200" dirty="0"/>
-              <a:t>방송통신위원회 </a:t>
-            </a:r>
-            <a:r>
-              <a:rPr lang="ko-KR" altLang="en-US" sz="1200" dirty="0" err="1"/>
-              <a:t>방송콘텐츠</a:t>
-            </a:r>
-            <a:r>
-              <a:rPr lang="ko-KR" altLang="en-US" sz="1200" dirty="0"/>
-              <a:t> 가치정보 분석시스템 </a:t>
-            </a:r>
-            <a:r>
-              <a:rPr lang="en-US" altLang="ko-KR" sz="1200" dirty="0"/>
-              <a:t>(</a:t>
-            </a:r>
-            <a:r>
-              <a:rPr lang="ko-KR" altLang="en-US" sz="1200" dirty="0"/>
-              <a:t>종합반응 </a:t>
-            </a:r>
-            <a:r>
-              <a:rPr lang="en-US" altLang="ko-KR" sz="1200" dirty="0"/>
-              <a:t>DB)</a:t>
-            </a:r>
-          </a:p>
-          <a:p>
-            <a:pPr marL="228600" indent="-228600">
-              <a:buFont typeface="+mj-lt"/>
-              <a:buAutoNum type="arabicPeriod"/>
-            </a:pPr>
-            <a:r>
-              <a:rPr lang="en-US" altLang="ko-KR" sz="1200" dirty="0">
-                <a:hlinkClick r:id="rId7"/>
-              </a:rPr>
-              <a:t>https://aisac.kobaco.co.kr/site/main/home</a:t>
-            </a:r>
-            <a:endParaRPr lang="en-US" altLang="ko-KR" sz="1200" dirty="0"/>
-          </a:p>
-          <a:p>
-            <a:pPr marL="685800" lvl="1" indent="-228600">
-              <a:buFont typeface="Arial" panose="020B0604020202020204" pitchFamily="34" charset="0"/>
-              <a:buChar char="•"/>
-            </a:pPr>
-            <a:r>
-              <a:rPr lang="ko-KR" altLang="en-US" sz="1200" dirty="0" err="1"/>
-              <a:t>광고아카이브</a:t>
-            </a:r>
-            <a:r>
-              <a:rPr lang="ko-KR" altLang="en-US" sz="1200" dirty="0"/>
-              <a:t> 사이트 </a:t>
-            </a:r>
-            <a:r>
-              <a:rPr lang="en-US" altLang="ko-KR" sz="1200" dirty="0"/>
-              <a:t>AI </a:t>
-            </a:r>
-            <a:r>
-              <a:rPr lang="ko-KR" altLang="en-US" sz="1200" dirty="0"/>
-              <a:t>기반 창작 광고 </a:t>
-            </a:r>
-            <a:r>
-              <a:rPr lang="en-US" altLang="ko-KR" sz="1200" dirty="0"/>
-              <a:t>(</a:t>
-            </a:r>
-            <a:r>
-              <a:rPr lang="ko-KR" altLang="en-US" sz="1200" dirty="0"/>
-              <a:t>향후 미디어 광고에 대한 </a:t>
-            </a:r>
-            <a:r>
-              <a:rPr lang="ko-KR" altLang="en-US" sz="1200" dirty="0" err="1"/>
-              <a:t>미래성</a:t>
-            </a:r>
-            <a:r>
-              <a:rPr lang="en-US" altLang="ko-KR" sz="1200" dirty="0"/>
-              <a:t>)</a:t>
-            </a:r>
-          </a:p>
-          <a:p>
-            <a:pPr marL="228600" indent="-228600">
-              <a:buFont typeface="+mj-lt"/>
-              <a:buAutoNum type="arabicPeriod"/>
-            </a:pPr>
-            <a:r>
-              <a:rPr lang="en-US" altLang="ko-KR" sz="1200" dirty="0">
-                <a:hlinkClick r:id="rId8"/>
-              </a:rPr>
-              <a:t>https://www.kobaco.co.kr/site/adstat/board/mcr_infographic/list?cp=1&amp;sortOrder=BA_REGDATE&amp;sortDirection=DESC&amp;bcId=mcr_infographic&amp;baNotice=false&amp;baCommSelec=false&amp;baOpenDay=false&amp;baUse=true</a:t>
-            </a:r>
-            <a:endParaRPr lang="en-US" altLang="ko-KR" sz="1200" dirty="0"/>
-          </a:p>
-          <a:p>
-            <a:pPr marL="685800" lvl="1" indent="-228600">
-              <a:buFont typeface="Arial" panose="020B0604020202020204" pitchFamily="34" charset="0"/>
-              <a:buChar char="•"/>
-            </a:pPr>
-            <a:r>
-              <a:rPr lang="ko-KR" altLang="en-US" sz="1200" dirty="0" err="1"/>
-              <a:t>인포그래픽</a:t>
-            </a:r>
-            <a:endParaRPr lang="en-US" altLang="ko-KR" sz="1200" dirty="0"/>
-          </a:p>
-          <a:p>
-            <a:pPr marL="228600" indent="-228600">
-              <a:buFont typeface="+mj-lt"/>
-              <a:buAutoNum type="arabicPeriod"/>
-            </a:pPr>
-            <a:r>
-              <a:rPr lang="ko-KR" altLang="en-US" sz="1200" dirty="0" err="1"/>
-              <a:t>그외</a:t>
-            </a:r>
-            <a:r>
-              <a:rPr lang="ko-KR" altLang="en-US" sz="1200" dirty="0"/>
-              <a:t> 참고할 파일들</a:t>
-            </a:r>
-            <a:endParaRPr lang="en-US" altLang="ko-KR" sz="1200" dirty="0"/>
-          </a:p>
-          <a:p>
-            <a:pPr lvl="1"/>
-            <a:endParaRPr lang="en-US" altLang="ko-KR" sz="1200" dirty="0"/>
-          </a:p>
-        </p:txBody>
-      </p:sp>
-    </p:spTree>
-    <p:extLst>
-      <p:ext uri="{BB962C8B-B14F-4D97-AF65-F5344CB8AC3E}">
-        <p14:creationId xmlns="" xmlns:p14="http://schemas.microsoft.com/office/powerpoint/2010/main" val="3921649124"/>
-      </p:ext>
-    </p:extLst>
-  </p:cSld>
-  <p:clrMapOvr>
-    <a:masterClrMapping/>
-  </p:clrMapOvr>
-</p:sld>
-</file>
-
-<file path=ppt/slides/slide8.xml><?xml version="1.0" encoding="utf-8"?>
 <p:sld xmlns:a="http://schemas.openxmlformats.org/drawingml/2006/main" xmlns:r="http://schemas.openxmlformats.org/officeDocument/2006/relationships" xmlns:p="http://schemas.openxmlformats.org/presentationml/2006/main" showMasterSp="0">
   <p:cSld>
     <p:spTree>
@@ -7926,7 +7854,7 @@
           <p:nvPr>
             <p:extLst>
               <p:ext uri="{D42A27DB-BD31-4B8C-83A1-F6EECF244321}">
-                <p14:modId xmlns="" xmlns:p14="http://schemas.microsoft.com/office/powerpoint/2010/main" val="1223694008"/>
+                <p14:modId xmlns:p14="http://schemas.microsoft.com/office/powerpoint/2010/main" xmlns="" val="1223694008"/>
               </p:ext>
             </p:extLst>
           </p:nvPr>
@@ -7945,28 +7873,28 @@
                 <a:gridCol w="2318386">
                   <a:extLst>
                     <a:ext uri="{9D8B030D-6E8A-4147-A177-3AD203B41FA5}">
-                      <a16:colId xmlns="" xmlns:a16="http://schemas.microsoft.com/office/drawing/2014/main" val="20000"/>
+                      <a16:colId xmlns:a16="http://schemas.microsoft.com/office/drawing/2014/main" xmlns="" val="20000"/>
                     </a:ext>
                   </a:extLst>
                 </a:gridCol>
                 <a:gridCol w="1872000">
                   <a:extLst>
                     <a:ext uri="{9D8B030D-6E8A-4147-A177-3AD203B41FA5}">
-                      <a16:colId xmlns="" xmlns:a16="http://schemas.microsoft.com/office/drawing/2014/main" val="20001"/>
+                      <a16:colId xmlns:a16="http://schemas.microsoft.com/office/drawing/2014/main" xmlns="" val="20001"/>
                     </a:ext>
                   </a:extLst>
                 </a:gridCol>
                 <a:gridCol w="1872000">
                   <a:extLst>
                     <a:ext uri="{9D8B030D-6E8A-4147-A177-3AD203B41FA5}">
-                      <a16:colId xmlns="" xmlns:a16="http://schemas.microsoft.com/office/drawing/2014/main" val="20003"/>
+                      <a16:colId xmlns:a16="http://schemas.microsoft.com/office/drawing/2014/main" xmlns="" val="20003"/>
                     </a:ext>
                   </a:extLst>
                 </a:gridCol>
                 <a:gridCol w="1872000">
                   <a:extLst>
                     <a:ext uri="{9D8B030D-6E8A-4147-A177-3AD203B41FA5}">
-                      <a16:colId xmlns="" xmlns:a16="http://schemas.microsoft.com/office/drawing/2014/main" val="20009"/>
+                      <a16:colId xmlns:a16="http://schemas.microsoft.com/office/drawing/2014/main" xmlns="" val="20009"/>
                     </a:ext>
                   </a:extLst>
                 </a:gridCol>
@@ -8386,7 +8314,7 @@
                 </a:tc>
                 <a:extLst>
                   <a:ext uri="{0D108BD9-81ED-4DB2-BD59-A6C34878D82A}">
-                    <a16:rowId xmlns="" xmlns:a16="http://schemas.microsoft.com/office/drawing/2014/main" val="10001"/>
+                    <a16:rowId xmlns:a16="http://schemas.microsoft.com/office/drawing/2014/main" xmlns="" val="10001"/>
                   </a:ext>
                 </a:extLst>
               </a:tr>
@@ -8539,7 +8467,7 @@
                 </a:tc>
                 <a:extLst>
                   <a:ext uri="{0D108BD9-81ED-4DB2-BD59-A6C34878D82A}">
-                    <a16:rowId xmlns="" xmlns:a16="http://schemas.microsoft.com/office/drawing/2014/main" val="10002"/>
+                    <a16:rowId xmlns:a16="http://schemas.microsoft.com/office/drawing/2014/main" xmlns="" val="10002"/>
                   </a:ext>
                 </a:extLst>
               </a:tr>
@@ -9483,7 +9411,7 @@
           <a:blip r:embed="rId2" cstate="print">
             <a:extLst>
               <a:ext uri="{28A0092B-C50C-407E-A947-70E740481C1C}">
-                <a14:useLocalDpi xmlns="" xmlns:a14="http://schemas.microsoft.com/office/drawing/2010/main" val="0"/>
+                <a14:useLocalDpi xmlns:a14="http://schemas.microsoft.com/office/drawing/2010/main" xmlns="" val="0"/>
               </a:ext>
             </a:extLst>
           </a:blip>
@@ -9506,7 +9434,7 @@
           <p:cNvPr id="2" name="직사각형 1">
             <a:extLst>
               <a:ext uri="{FF2B5EF4-FFF2-40B4-BE49-F238E27FC236}">
-                <a16:creationId xmlns="" xmlns:a16="http://schemas.microsoft.com/office/drawing/2014/main" id="{BECE05B4-F2F8-E933-52D0-A00C5E48AD93}"/>
+                <a16:creationId xmlns:a16="http://schemas.microsoft.com/office/drawing/2014/main" xmlns="" id="{BECE05B4-F2F8-E933-52D0-A00C5E48AD93}"/>
               </a:ext>
             </a:extLst>
           </p:cNvPr>
@@ -9578,7 +9506,7 @@
           <p:cNvPr id="5" name="직사각형 4">
             <a:extLst>
               <a:ext uri="{FF2B5EF4-FFF2-40B4-BE49-F238E27FC236}">
-                <a16:creationId xmlns="" xmlns:a16="http://schemas.microsoft.com/office/drawing/2014/main" id="{ED9EE3C2-D821-8C10-CCCA-BCBCA5789CA0}"/>
+                <a16:creationId xmlns:a16="http://schemas.microsoft.com/office/drawing/2014/main" xmlns="" id="{ED9EE3C2-D821-8C10-CCCA-BCBCA5789CA0}"/>
               </a:ext>
             </a:extLst>
           </p:cNvPr>
@@ -9650,7 +9578,7 @@
           <p:cNvPr id="14" name="직사각형 13">
             <a:extLst>
               <a:ext uri="{FF2B5EF4-FFF2-40B4-BE49-F238E27FC236}">
-                <a16:creationId xmlns="" xmlns:a16="http://schemas.microsoft.com/office/drawing/2014/main" id="{BF02E885-ACB3-1084-57AC-EA21A59F8EA6}"/>
+                <a16:creationId xmlns:a16="http://schemas.microsoft.com/office/drawing/2014/main" xmlns="" id="{BF02E885-ACB3-1084-57AC-EA21A59F8EA6}"/>
               </a:ext>
             </a:extLst>
           </p:cNvPr>
@@ -9722,7 +9650,7 @@
           <p:cNvPr id="20" name="직사각형 19">
             <a:extLst>
               <a:ext uri="{FF2B5EF4-FFF2-40B4-BE49-F238E27FC236}">
-                <a16:creationId xmlns="" xmlns:a16="http://schemas.microsoft.com/office/drawing/2014/main" id="{60177F45-2C2E-F507-2271-3DF08384C044}"/>
+                <a16:creationId xmlns:a16="http://schemas.microsoft.com/office/drawing/2014/main" xmlns="" id="{60177F45-2C2E-F507-2271-3DF08384C044}"/>
               </a:ext>
             </a:extLst>
           </p:cNvPr>
@@ -9794,7 +9722,7 @@
           <p:cNvPr id="21" name="직사각형 20">
             <a:extLst>
               <a:ext uri="{FF2B5EF4-FFF2-40B4-BE49-F238E27FC236}">
-                <a16:creationId xmlns="" xmlns:a16="http://schemas.microsoft.com/office/drawing/2014/main" id="{0C8AD6E3-C41B-5A09-3AD6-83CBE395AC6D}"/>
+                <a16:creationId xmlns:a16="http://schemas.microsoft.com/office/drawing/2014/main" xmlns="" id="{0C8AD6E3-C41B-5A09-3AD6-83CBE395AC6D}"/>
               </a:ext>
             </a:extLst>
           </p:cNvPr>
@@ -9866,7 +9794,7 @@
           <p:cNvPr id="22" name="직사각형 21">
             <a:extLst>
               <a:ext uri="{FF2B5EF4-FFF2-40B4-BE49-F238E27FC236}">
-                <a16:creationId xmlns="" xmlns:a16="http://schemas.microsoft.com/office/drawing/2014/main" id="{2E9D7D50-E1BF-39DA-3574-A41273EC79DD}"/>
+                <a16:creationId xmlns:a16="http://schemas.microsoft.com/office/drawing/2014/main" xmlns="" id="{2E9D7D50-E1BF-39DA-3574-A41273EC79DD}"/>
               </a:ext>
             </a:extLst>
           </p:cNvPr>
@@ -9938,7 +9866,7 @@
           <p:cNvPr id="32" name="직사각형 31">
             <a:extLst>
               <a:ext uri="{FF2B5EF4-FFF2-40B4-BE49-F238E27FC236}">
-                <a16:creationId xmlns="" xmlns:a16="http://schemas.microsoft.com/office/drawing/2014/main" id="{2E9D7D50-E1BF-39DA-3574-A41273EC79DD}"/>
+                <a16:creationId xmlns:a16="http://schemas.microsoft.com/office/drawing/2014/main" xmlns="" id="{2E9D7D50-E1BF-39DA-3574-A41273EC79DD}"/>
               </a:ext>
             </a:extLst>
           </p:cNvPr>
@@ -10010,7 +9938,7 @@
           <p:cNvPr id="33" name="직사각형 32">
             <a:extLst>
               <a:ext uri="{FF2B5EF4-FFF2-40B4-BE49-F238E27FC236}">
-                <a16:creationId xmlns="" xmlns:a16="http://schemas.microsoft.com/office/drawing/2014/main" id="{2E9D7D50-E1BF-39DA-3574-A41273EC79DD}"/>
+                <a16:creationId xmlns:a16="http://schemas.microsoft.com/office/drawing/2014/main" xmlns="" id="{2E9D7D50-E1BF-39DA-3574-A41273EC79DD}"/>
               </a:ext>
             </a:extLst>
           </p:cNvPr>
@@ -10082,7 +10010,7 @@
           <p:cNvPr id="34" name="직사각형 33">
             <a:extLst>
               <a:ext uri="{FF2B5EF4-FFF2-40B4-BE49-F238E27FC236}">
-                <a16:creationId xmlns="" xmlns:a16="http://schemas.microsoft.com/office/drawing/2014/main" id="{2E9D7D50-E1BF-39DA-3574-A41273EC79DD}"/>
+                <a16:creationId xmlns:a16="http://schemas.microsoft.com/office/drawing/2014/main" xmlns="" id="{2E9D7D50-E1BF-39DA-3574-A41273EC79DD}"/>
               </a:ext>
             </a:extLst>
           </p:cNvPr>
@@ -10154,7 +10082,7 @@
           <p:cNvPr id="35" name="직사각형 34">
             <a:extLst>
               <a:ext uri="{FF2B5EF4-FFF2-40B4-BE49-F238E27FC236}">
-                <a16:creationId xmlns="" xmlns:a16="http://schemas.microsoft.com/office/drawing/2014/main" id="{2E9D7D50-E1BF-39DA-3574-A41273EC79DD}"/>
+                <a16:creationId xmlns:a16="http://schemas.microsoft.com/office/drawing/2014/main" xmlns="" id="{2E9D7D50-E1BF-39DA-3574-A41273EC79DD}"/>
               </a:ext>
             </a:extLst>
           </p:cNvPr>
@@ -10224,7 +10152,7 @@
     </p:spTree>
     <p:extLst>
       <p:ext uri="{BB962C8B-B14F-4D97-AF65-F5344CB8AC3E}">
-        <p14:creationId xmlns="" xmlns:p14="http://schemas.microsoft.com/office/powerpoint/2010/main" val="2842921064"/>
+        <p14:creationId xmlns:p14="http://schemas.microsoft.com/office/powerpoint/2010/main" xmlns="" val="2842921064"/>
       </p:ext>
     </p:extLst>
   </p:cSld>

--- a/PPT/중간프로젝트 기획안 _ (2팀)_20230402_SeokwonNa.pptx
+++ b/PPT/중간프로젝트 기획안 _ (2팀)_20230402_SeokwonNa.pptx
@@ -151,7 +151,7 @@
   </p:defaultTextStyle>
   <p:extLst>
     <p:ext uri="{EFAFB233-063F-42B5-8137-9DF3F51BA10A}">
-      <p15:sldGuideLst xmlns:p15="http://schemas.microsoft.com/office/powerpoint/2012/main" xmlns="">
+      <p15:sldGuideLst xmlns="" xmlns:p15="http://schemas.microsoft.com/office/powerpoint/2012/main">
         <p15:guide id="1" orient="horz" pos="2160">
           <p15:clr>
             <a:srgbClr val="A4A3A4"/>
@@ -280,7 +280,7 @@
               <a:pPr>
                 <a:defRPr/>
               </a:pPr>
-              <a:t>2023-04-10</a:t>
+              <a:t>2023-04-21</a:t>
             </a:fld>
             <a:endParaRPr lang="ko-KR" altLang="en-US"/>
           </a:p>
@@ -475,7 +475,7 @@
     </p:spTree>
     <p:extLst>
       <p:ext uri="{BB962C8B-B14F-4D97-AF65-F5344CB8AC3E}">
-        <p14:creationId xmlns:p14="http://schemas.microsoft.com/office/powerpoint/2010/main" xmlns="" val="2298300096"/>
+        <p14:creationId xmlns="" xmlns:p14="http://schemas.microsoft.com/office/powerpoint/2010/main" val="2298300096"/>
       </p:ext>
     </p:extLst>
   </p:cSld>
@@ -794,7 +794,7 @@
               <a:pPr>
                 <a:defRPr/>
               </a:pPr>
-              <a:t>2023-04-10</a:t>
+              <a:t>2023-04-21</a:t>
             </a:fld>
             <a:endParaRPr lang="ko-KR" altLang="en-US"/>
           </a:p>
@@ -862,7 +862,7 @@
     </p:spTree>
     <p:extLst>
       <p:ext uri="{BB962C8B-B14F-4D97-AF65-F5344CB8AC3E}">
-        <p14:creationId xmlns:p14="http://schemas.microsoft.com/office/powerpoint/2010/main" xmlns="" val="3636223116"/>
+        <p14:creationId xmlns="" xmlns:p14="http://schemas.microsoft.com/office/powerpoint/2010/main" val="3636223116"/>
       </p:ext>
     </p:extLst>
   </p:cSld>
@@ -989,7 +989,7 @@
               <a:pPr>
                 <a:defRPr/>
               </a:pPr>
-              <a:t>2023-04-10</a:t>
+              <a:t>2023-04-21</a:t>
             </a:fld>
             <a:endParaRPr lang="ko-KR" altLang="en-US"/>
           </a:p>
@@ -1057,7 +1057,7 @@
     </p:spTree>
     <p:extLst>
       <p:ext uri="{BB962C8B-B14F-4D97-AF65-F5344CB8AC3E}">
-        <p14:creationId xmlns:p14="http://schemas.microsoft.com/office/powerpoint/2010/main" xmlns="" val="1923301270"/>
+        <p14:creationId xmlns="" xmlns:p14="http://schemas.microsoft.com/office/powerpoint/2010/main" val="1923301270"/>
       </p:ext>
     </p:extLst>
   </p:cSld>
@@ -1194,7 +1194,7 @@
               <a:pPr>
                 <a:defRPr/>
               </a:pPr>
-              <a:t>2023-04-10</a:t>
+              <a:t>2023-04-21</a:t>
             </a:fld>
             <a:endParaRPr lang="ko-KR" altLang="en-US"/>
           </a:p>
@@ -1262,7 +1262,7 @@
     </p:spTree>
     <p:extLst>
       <p:ext uri="{BB962C8B-B14F-4D97-AF65-F5344CB8AC3E}">
-        <p14:creationId xmlns:p14="http://schemas.microsoft.com/office/powerpoint/2010/main" xmlns="" val="3408806277"/>
+        <p14:creationId xmlns="" xmlns:p14="http://schemas.microsoft.com/office/powerpoint/2010/main" val="3408806277"/>
       </p:ext>
     </p:extLst>
   </p:cSld>
@@ -1389,7 +1389,7 @@
               <a:pPr>
                 <a:defRPr/>
               </a:pPr>
-              <a:t>2023-04-10</a:t>
+              <a:t>2023-04-21</a:t>
             </a:fld>
             <a:endParaRPr lang="ko-KR" altLang="en-US"/>
           </a:p>
@@ -1457,7 +1457,7 @@
     </p:spTree>
     <p:extLst>
       <p:ext uri="{BB962C8B-B14F-4D97-AF65-F5344CB8AC3E}">
-        <p14:creationId xmlns:p14="http://schemas.microsoft.com/office/powerpoint/2010/main" xmlns="" val="1549668477"/>
+        <p14:creationId xmlns="" xmlns:p14="http://schemas.microsoft.com/office/powerpoint/2010/main" val="1549668477"/>
       </p:ext>
     </p:extLst>
   </p:cSld>
@@ -1661,7 +1661,7 @@
               <a:pPr>
                 <a:defRPr/>
               </a:pPr>
-              <a:t>2023-04-10</a:t>
+              <a:t>2023-04-21</a:t>
             </a:fld>
             <a:endParaRPr lang="ko-KR" altLang="en-US"/>
           </a:p>
@@ -1729,7 +1729,7 @@
     </p:spTree>
     <p:extLst>
       <p:ext uri="{BB962C8B-B14F-4D97-AF65-F5344CB8AC3E}">
-        <p14:creationId xmlns:p14="http://schemas.microsoft.com/office/powerpoint/2010/main" xmlns="" val="1083808973"/>
+        <p14:creationId xmlns="" xmlns:p14="http://schemas.microsoft.com/office/powerpoint/2010/main" val="1083808973"/>
       </p:ext>
     </p:extLst>
   </p:cSld>
@@ -1973,7 +1973,7 @@
               <a:pPr>
                 <a:defRPr/>
               </a:pPr>
-              <a:t>2023-04-10</a:t>
+              <a:t>2023-04-21</a:t>
             </a:fld>
             <a:endParaRPr lang="ko-KR" altLang="en-US"/>
           </a:p>
@@ -2041,7 +2041,7 @@
     </p:spTree>
     <p:extLst>
       <p:ext uri="{BB962C8B-B14F-4D97-AF65-F5344CB8AC3E}">
-        <p14:creationId xmlns:p14="http://schemas.microsoft.com/office/powerpoint/2010/main" xmlns="" val="3910854368"/>
+        <p14:creationId xmlns="" xmlns:p14="http://schemas.microsoft.com/office/powerpoint/2010/main" val="3910854368"/>
       </p:ext>
     </p:extLst>
   </p:cSld>
@@ -2419,7 +2419,7 @@
               <a:pPr>
                 <a:defRPr/>
               </a:pPr>
-              <a:t>2023-04-10</a:t>
+              <a:t>2023-04-21</a:t>
             </a:fld>
             <a:endParaRPr lang="ko-KR" altLang="en-US"/>
           </a:p>
@@ -2487,7 +2487,7 @@
     </p:spTree>
     <p:extLst>
       <p:ext uri="{BB962C8B-B14F-4D97-AF65-F5344CB8AC3E}">
-        <p14:creationId xmlns:p14="http://schemas.microsoft.com/office/powerpoint/2010/main" xmlns="" val="4223930405"/>
+        <p14:creationId xmlns="" xmlns:p14="http://schemas.microsoft.com/office/powerpoint/2010/main" val="4223930405"/>
       </p:ext>
     </p:extLst>
   </p:cSld>
@@ -2563,7 +2563,7 @@
               <a:pPr>
                 <a:defRPr/>
               </a:pPr>
-              <a:t>2023-04-10</a:t>
+              <a:t>2023-04-21</a:t>
             </a:fld>
             <a:endParaRPr lang="ko-KR" altLang="en-US"/>
           </a:p>
@@ -2631,7 +2631,7 @@
     </p:spTree>
     <p:extLst>
       <p:ext uri="{BB962C8B-B14F-4D97-AF65-F5344CB8AC3E}">
-        <p14:creationId xmlns:p14="http://schemas.microsoft.com/office/powerpoint/2010/main" xmlns="" val="418365225"/>
+        <p14:creationId xmlns="" xmlns:p14="http://schemas.microsoft.com/office/powerpoint/2010/main" val="418365225"/>
       </p:ext>
     </p:extLst>
   </p:cSld>
@@ -2778,7 +2778,7 @@
           <a:blip r:embed="rId2" cstate="print">
             <a:extLst>
               <a:ext uri="{28A0092B-C50C-407E-A947-70E740481C1C}">
-                <a14:useLocalDpi xmlns:a14="http://schemas.microsoft.com/office/drawing/2010/main" xmlns="" val="0"/>
+                <a14:useLocalDpi xmlns="" xmlns:a14="http://schemas.microsoft.com/office/drawing/2010/main" val="0"/>
               </a:ext>
             </a:extLst>
           </a:blip>
@@ -2799,7 +2799,7 @@
     </p:spTree>
     <p:extLst>
       <p:ext uri="{BB962C8B-B14F-4D97-AF65-F5344CB8AC3E}">
-        <p14:creationId xmlns:p14="http://schemas.microsoft.com/office/powerpoint/2010/main" xmlns="" val="3368593078"/>
+        <p14:creationId xmlns="" xmlns:p14="http://schemas.microsoft.com/office/powerpoint/2010/main" val="3368593078"/>
       </p:ext>
     </p:extLst>
   </p:cSld>
@@ -3033,7 +3033,7 @@
               <a:pPr>
                 <a:defRPr/>
               </a:pPr>
-              <a:t>2023-04-10</a:t>
+              <a:t>2023-04-21</a:t>
             </a:fld>
             <a:endParaRPr lang="ko-KR" altLang="en-US"/>
           </a:p>
@@ -3101,7 +3101,7 @@
     </p:spTree>
     <p:extLst>
       <p:ext uri="{BB962C8B-B14F-4D97-AF65-F5344CB8AC3E}">
-        <p14:creationId xmlns:p14="http://schemas.microsoft.com/office/powerpoint/2010/main" xmlns="" val="1438917134"/>
+        <p14:creationId xmlns="" xmlns:p14="http://schemas.microsoft.com/office/powerpoint/2010/main" val="1438917134"/>
       </p:ext>
     </p:extLst>
   </p:cSld>
@@ -3315,7 +3315,7 @@
               <a:pPr>
                 <a:defRPr/>
               </a:pPr>
-              <a:t>2023-04-10</a:t>
+              <a:t>2023-04-21</a:t>
             </a:fld>
             <a:endParaRPr lang="ko-KR" altLang="en-US"/>
           </a:p>
@@ -3383,7 +3383,7 @@
     </p:spTree>
     <p:extLst>
       <p:ext uri="{BB962C8B-B14F-4D97-AF65-F5344CB8AC3E}">
-        <p14:creationId xmlns:p14="http://schemas.microsoft.com/office/powerpoint/2010/main" xmlns="" val="344758488"/>
+        <p14:creationId xmlns="" xmlns:p14="http://schemas.microsoft.com/office/powerpoint/2010/main" val="344758488"/>
       </p:ext>
     </p:extLst>
   </p:cSld>
@@ -3442,14 +3442,14 @@
           </a:ln>
           <a:extLst>
             <a:ext uri="{909E8E84-426E-40DD-AFC4-6F175D3DCCD1}">
-              <a14:hiddenFill xmlns:a14="http://schemas.microsoft.com/office/drawing/2010/main" xmlns="">
+              <a14:hiddenFill xmlns="" xmlns:a14="http://schemas.microsoft.com/office/drawing/2010/main">
                 <a:solidFill>
                   <a:srgbClr val="FFFFFF"/>
                 </a:solidFill>
               </a14:hiddenFill>
             </a:ext>
             <a:ext uri="{91240B29-F687-4F45-9708-019B960494DF}">
-              <a14:hiddenLine xmlns:a14="http://schemas.microsoft.com/office/drawing/2010/main" xmlns="" w="9525">
+              <a14:hiddenLine xmlns="" xmlns:a14="http://schemas.microsoft.com/office/drawing/2010/main" w="9525">
                 <a:solidFill>
                   <a:srgbClr val="000000"/>
                 </a:solidFill>
@@ -3500,14 +3500,14 @@
           </a:ln>
           <a:extLst>
             <a:ext uri="{909E8E84-426E-40DD-AFC4-6F175D3DCCD1}">
-              <a14:hiddenFill xmlns:a14="http://schemas.microsoft.com/office/drawing/2010/main" xmlns="">
+              <a14:hiddenFill xmlns="" xmlns:a14="http://schemas.microsoft.com/office/drawing/2010/main">
                 <a:solidFill>
                   <a:srgbClr val="FFFFFF"/>
                 </a:solidFill>
               </a14:hiddenFill>
             </a:ext>
             <a:ext uri="{91240B29-F687-4F45-9708-019B960494DF}">
-              <a14:hiddenLine xmlns:a14="http://schemas.microsoft.com/office/drawing/2010/main" xmlns="" w="9525">
+              <a14:hiddenLine xmlns="" xmlns:a14="http://schemas.microsoft.com/office/drawing/2010/main" w="9525">
                 <a:solidFill>
                   <a:srgbClr val="000000"/>
                 </a:solidFill>
@@ -3611,7 +3611,7 @@
               <a:pPr>
                 <a:defRPr/>
               </a:pPr>
-              <a:t>2023-04-10</a:t>
+              <a:t>2023-04-21</a:t>
             </a:fld>
             <a:endParaRPr lang="ko-KR" altLang="en-US"/>
           </a:p>
@@ -4422,14 +4422,14 @@
           </a:ln>
           <a:extLst>
             <a:ext uri="{909E8E84-426E-40DD-AFC4-6F175D3DCCD1}">
-              <a14:hiddenFill xmlns:a14="http://schemas.microsoft.com/office/drawing/2010/main" xmlns="">
+              <a14:hiddenFill xmlns="" xmlns:a14="http://schemas.microsoft.com/office/drawing/2010/main">
                 <a:solidFill>
                   <a:srgbClr val="FFFFFF"/>
                 </a:solidFill>
               </a14:hiddenFill>
             </a:ext>
             <a:ext uri="{91240B29-F687-4F45-9708-019B960494DF}">
-              <a14:hiddenLine xmlns:a14="http://schemas.microsoft.com/office/drawing/2010/main" xmlns="" w="9525">
+              <a14:hiddenLine xmlns="" xmlns:a14="http://schemas.microsoft.com/office/drawing/2010/main" w="9525">
                 <a:solidFill>
                   <a:srgbClr val="000000"/>
                 </a:solidFill>
@@ -4649,7 +4649,7 @@
           <a:blip r:embed="rId2" cstate="print">
             <a:extLst>
               <a:ext uri="{28A0092B-C50C-407E-A947-70E740481C1C}">
-                <a14:useLocalDpi xmlns:a14="http://schemas.microsoft.com/office/drawing/2010/main" xmlns="" val="0"/>
+                <a14:useLocalDpi xmlns="" xmlns:a14="http://schemas.microsoft.com/office/drawing/2010/main" val="0"/>
               </a:ext>
             </a:extLst>
           </a:blip>
@@ -4689,14 +4689,14 @@
           </a:ln>
           <a:extLst>
             <a:ext uri="{909E8E84-426E-40DD-AFC4-6F175D3DCCD1}">
-              <a14:hiddenFill xmlns:a14="http://schemas.microsoft.com/office/drawing/2010/main" xmlns="">
+              <a14:hiddenFill xmlns="" xmlns:a14="http://schemas.microsoft.com/office/drawing/2010/main">
                 <a:solidFill>
                   <a:srgbClr val="FFFFFF"/>
                 </a:solidFill>
               </a14:hiddenFill>
             </a:ext>
             <a:ext uri="{91240B29-F687-4F45-9708-019B960494DF}">
-              <a14:hiddenLine xmlns:a14="http://schemas.microsoft.com/office/drawing/2010/main" xmlns="" w="9525">
+              <a14:hiddenLine xmlns="" xmlns:a14="http://schemas.microsoft.com/office/drawing/2010/main" w="9525">
                 <a:solidFill>
                   <a:srgbClr val="000000"/>
                 </a:solidFill>
@@ -5339,7 +5339,7 @@
           <a:blip r:embed="rId2" cstate="print">
             <a:extLst>
               <a:ext uri="{28A0092B-C50C-407E-A947-70E740481C1C}">
-                <a14:useLocalDpi xmlns:a14="http://schemas.microsoft.com/office/drawing/2010/main" xmlns="" val="0"/>
+                <a14:useLocalDpi xmlns="" xmlns:a14="http://schemas.microsoft.com/office/drawing/2010/main" val="0"/>
               </a:ext>
             </a:extLst>
           </a:blip>
@@ -5764,7 +5764,7 @@
           <a:blip r:embed="rId2" cstate="print">
             <a:extLst>
               <a:ext uri="{28A0092B-C50C-407E-A947-70E740481C1C}">
-                <a14:useLocalDpi xmlns:a14="http://schemas.microsoft.com/office/drawing/2010/main" xmlns="" val="0"/>
+                <a14:useLocalDpi xmlns="" xmlns:a14="http://schemas.microsoft.com/office/drawing/2010/main" val="0"/>
               </a:ext>
             </a:extLst>
           </a:blip>
@@ -5923,7 +5923,7 @@
           <p:cNvPr id="2" name="TextBox 1">
             <a:extLst>
               <a:ext uri="{FF2B5EF4-FFF2-40B4-BE49-F238E27FC236}">
-                <a16:creationId xmlns:a16="http://schemas.microsoft.com/office/drawing/2014/main" xmlns="" id="{6077AAB8-6F88-2BE8-6991-2B6192D306F4}"/>
+                <a16:creationId xmlns="" xmlns:a16="http://schemas.microsoft.com/office/drawing/2014/main" id="{6077AAB8-6F88-2BE8-6991-2B6192D306F4}"/>
               </a:ext>
             </a:extLst>
           </p:cNvPr>
@@ -5948,7 +5948,11 @@
           <a:p>
             <a:r>
               <a:rPr lang="ko-KR" altLang="en-US" dirty="0" smtClean="0"/>
-              <a:t>서울시 아파트 가격에 영향을 미치는 요인분석</a:t>
+              <a:t>서울시 아파트 가격에 영향을 미치는 </a:t>
+            </a:r>
+            <a:r>
+              <a:rPr lang="ko-KR" altLang="en-US" dirty="0" smtClean="0"/>
+              <a:t>요인분석</a:t>
             </a:r>
             <a:endParaRPr lang="ko-KR" altLang="en-US" dirty="0"/>
           </a:p>
@@ -5959,7 +5963,7 @@
           <p:cNvPr id="9" name="TextBox 8">
             <a:extLst>
               <a:ext uri="{FF2B5EF4-FFF2-40B4-BE49-F238E27FC236}">
-                <a16:creationId xmlns:a16="http://schemas.microsoft.com/office/drawing/2014/main" xmlns="" id="{6077AAB8-6F88-2BE8-6991-2B6192D306F4}"/>
+                <a16:creationId xmlns="" xmlns:a16="http://schemas.microsoft.com/office/drawing/2014/main" id="{6077AAB8-6F88-2BE8-6991-2B6192D306F4}"/>
               </a:ext>
             </a:extLst>
           </p:cNvPr>
@@ -6799,16 +6803,7 @@
                 </a:solidFill>
                 <a:ea typeface="맑은 고딕" panose="020B0503020000020004" pitchFamily="50" charset="-127"/>
               </a:rPr>
-              <a:t>, </a:t>
-            </a:r>
-            <a:r>
-              <a:rPr lang="en-US" altLang="ko-KR" sz="1000" dirty="0" smtClean="0">
-                <a:solidFill>
-                  <a:srgbClr val="4B2F70"/>
-                </a:solidFill>
-                <a:ea typeface="맑은 고딕" panose="020B0503020000020004" pitchFamily="50" charset="-127"/>
-              </a:rPr>
-              <a:t>PPT </a:t>
+              <a:t>, PPT </a:t>
             </a:r>
             <a:r>
               <a:rPr lang="ko-KR" altLang="en-US" sz="1000" dirty="0" smtClean="0">
@@ -6970,7 +6965,16 @@
                 </a:solidFill>
                 <a:ea typeface="맑은 고딕" panose="020B0503020000020004" pitchFamily="50" charset="-127"/>
               </a:rPr>
-              <a:t>데이터 수집 및 </a:t>
+              <a:t>데이터 수집 및 전처리</a:t>
+            </a:r>
+            <a:r>
+              <a:rPr lang="en-US" altLang="ko-KR" sz="1000" dirty="0" smtClean="0">
+                <a:solidFill>
+                  <a:srgbClr val="4B2F70"/>
+                </a:solidFill>
+                <a:ea typeface="맑은 고딕" panose="020B0503020000020004" pitchFamily="50" charset="-127"/>
+              </a:rPr>
+              <a:t>, PPT </a:t>
             </a:r>
             <a:r>
               <a:rPr lang="ko-KR" altLang="en-US" sz="1000" dirty="0" smtClean="0">
@@ -6979,7 +6983,7 @@
                 </a:solidFill>
                 <a:ea typeface="맑은 고딕" panose="020B0503020000020004" pitchFamily="50" charset="-127"/>
               </a:rPr>
-              <a:t>전처리</a:t>
+              <a:t>작성</a:t>
             </a:r>
             <a:r>
               <a:rPr lang="en-US" altLang="ko-KR" sz="1000" dirty="0" smtClean="0">
@@ -6988,7 +6992,7 @@
                 </a:solidFill>
                 <a:ea typeface="맑은 고딕" panose="020B0503020000020004" pitchFamily="50" charset="-127"/>
               </a:rPr>
-              <a:t>, PPT </a:t>
+              <a:t>, DB </a:t>
             </a:r>
             <a:r>
               <a:rPr lang="ko-KR" altLang="en-US" sz="1000" dirty="0" smtClean="0">
@@ -6997,34 +7001,7 @@
                 </a:solidFill>
                 <a:ea typeface="맑은 고딕" panose="020B0503020000020004" pitchFamily="50" charset="-127"/>
               </a:rPr>
-              <a:t>작성</a:t>
-            </a:r>
-            <a:r>
-              <a:rPr lang="en-US" altLang="ko-KR" sz="1000" dirty="0" smtClean="0">
-                <a:solidFill>
-                  <a:srgbClr val="4B2F70"/>
-                </a:solidFill>
-                <a:ea typeface="맑은 고딕" panose="020B0503020000020004" pitchFamily="50" charset="-127"/>
-              </a:rPr>
-              <a:t>, DB </a:t>
-            </a:r>
-            <a:r>
-              <a:rPr lang="ko-KR" altLang="en-US" sz="1000" dirty="0" smtClean="0">
-                <a:solidFill>
-                  <a:srgbClr val="4B2F70"/>
-                </a:solidFill>
-                <a:ea typeface="맑은 고딕" panose="020B0503020000020004" pitchFamily="50" charset="-127"/>
-              </a:rPr>
-              <a:t>설</a:t>
-            </a:r>
-            <a:r>
-              <a:rPr lang="ko-KR" altLang="en-US" sz="1000" dirty="0" smtClean="0">
-                <a:solidFill>
-                  <a:srgbClr val="4B2F70"/>
-                </a:solidFill>
-                <a:ea typeface="맑은 고딕" panose="020B0503020000020004" pitchFamily="50" charset="-127"/>
-              </a:rPr>
-              <a:t>계</a:t>
+              <a:t>설계</a:t>
             </a:r>
             <a:endParaRPr lang="en-US" altLang="ko-KR" sz="1000" dirty="0">
               <a:solidFill>
@@ -7309,7 +7286,16 @@
                 </a:solidFill>
                 <a:ea typeface="맑은 고딕" panose="020B0503020000020004" pitchFamily="50" charset="-127"/>
               </a:rPr>
-              <a:t>데이터 수집 및 </a:t>
+              <a:t>데이터 수집 및 전처리</a:t>
+            </a:r>
+            <a:r>
+              <a:rPr lang="en-US" altLang="ko-KR" sz="1000" dirty="0" smtClean="0">
+                <a:solidFill>
+                  <a:srgbClr val="4B2F70"/>
+                </a:solidFill>
+                <a:ea typeface="맑은 고딕" panose="020B0503020000020004" pitchFamily="50" charset="-127"/>
+              </a:rPr>
+              <a:t>, PPT </a:t>
             </a:r>
             <a:r>
               <a:rPr lang="ko-KR" altLang="en-US" sz="1000" dirty="0" smtClean="0">
@@ -7318,34 +7304,7 @@
                 </a:solidFill>
                 <a:ea typeface="맑은 고딕" panose="020B0503020000020004" pitchFamily="50" charset="-127"/>
               </a:rPr>
-              <a:t>전처리</a:t>
-            </a:r>
-            <a:r>
-              <a:rPr lang="en-US" altLang="ko-KR" sz="1000" dirty="0" smtClean="0">
-                <a:solidFill>
-                  <a:srgbClr val="4B2F70"/>
-                </a:solidFill>
-                <a:ea typeface="맑은 고딕" panose="020B0503020000020004" pitchFamily="50" charset="-127"/>
-              </a:rPr>
-              <a:t>, PPT </a:t>
-            </a:r>
-            <a:r>
-              <a:rPr lang="ko-KR" altLang="en-US" sz="1000" dirty="0" smtClean="0">
-                <a:solidFill>
-                  <a:srgbClr val="4B2F70"/>
-                </a:solidFill>
-                <a:ea typeface="맑은 고딕" panose="020B0503020000020004" pitchFamily="50" charset="-127"/>
-              </a:rPr>
-              <a:t>작</a:t>
-            </a:r>
-            <a:r>
-              <a:rPr lang="ko-KR" altLang="en-US" sz="1000" dirty="0" smtClean="0">
-                <a:solidFill>
-                  <a:srgbClr val="4B2F70"/>
-                </a:solidFill>
-                <a:ea typeface="맑은 고딕" panose="020B0503020000020004" pitchFamily="50" charset="-127"/>
-              </a:rPr>
-              <a:t>성</a:t>
+              <a:t>작성</a:t>
             </a:r>
             <a:r>
               <a:rPr lang="en-US" altLang="ko-KR" sz="1000" dirty="0" smtClean="0">
@@ -7377,7 +7336,7 @@
           <a:blip r:embed="rId2" cstate="print">
             <a:extLst>
               <a:ext uri="{28A0092B-C50C-407E-A947-70E740481C1C}">
-                <a14:useLocalDpi xmlns:a14="http://schemas.microsoft.com/office/drawing/2010/main" xmlns="" val="0"/>
+                <a14:useLocalDpi xmlns="" xmlns:a14="http://schemas.microsoft.com/office/drawing/2010/main" val="0"/>
               </a:ext>
             </a:extLst>
           </a:blip>
@@ -7398,7 +7357,7 @@
     </p:spTree>
     <p:extLst>
       <p:ext uri="{BB962C8B-B14F-4D97-AF65-F5344CB8AC3E}">
-        <p14:creationId xmlns:p14="http://schemas.microsoft.com/office/powerpoint/2010/main" xmlns="" val="2422148939"/>
+        <p14:creationId xmlns="" xmlns:p14="http://schemas.microsoft.com/office/powerpoint/2010/main" val="2422148939"/>
       </p:ext>
     </p:extLst>
   </p:cSld>
@@ -7654,16 +7613,7 @@
                 </a:solidFill>
                 <a:ea typeface="맑은 고딕" panose="020B0503020000020004" pitchFamily="50" charset="-127"/>
               </a:rPr>
-              <a:t>팀</a:t>
-            </a:r>
-            <a:r>
-              <a:rPr lang="ko-KR" altLang="en-US" sz="1100" dirty="0" smtClean="0">
-                <a:solidFill>
-                  <a:srgbClr val="4B2F70"/>
-                </a:solidFill>
-                <a:ea typeface="맑은 고딕" panose="020B0503020000020004" pitchFamily="50" charset="-127"/>
-              </a:rPr>
-              <a:t>원</a:t>
+              <a:t>팀원</a:t>
             </a:r>
             <a:endParaRPr lang="en-US" altLang="ko-KR" sz="1100" dirty="0">
               <a:solidFill>
@@ -7797,7 +7747,7 @@
           <a:blip r:embed="rId2" cstate="print">
             <a:extLst>
               <a:ext uri="{28A0092B-C50C-407E-A947-70E740481C1C}">
-                <a14:useLocalDpi xmlns:a14="http://schemas.microsoft.com/office/drawing/2010/main" xmlns="" val="0"/>
+                <a14:useLocalDpi xmlns="" xmlns:a14="http://schemas.microsoft.com/office/drawing/2010/main" val="0"/>
               </a:ext>
             </a:extLst>
           </a:blip>
@@ -7818,7 +7768,7 @@
     </p:spTree>
     <p:extLst>
       <p:ext uri="{BB962C8B-B14F-4D97-AF65-F5344CB8AC3E}">
-        <p14:creationId xmlns:p14="http://schemas.microsoft.com/office/powerpoint/2010/main" xmlns="" val="3748660077"/>
+        <p14:creationId xmlns="" xmlns:p14="http://schemas.microsoft.com/office/powerpoint/2010/main" val="3748660077"/>
       </p:ext>
     </p:extLst>
   </p:cSld>
@@ -7854,7 +7804,7 @@
           <p:nvPr>
             <p:extLst>
               <p:ext uri="{D42A27DB-BD31-4B8C-83A1-F6EECF244321}">
-                <p14:modId xmlns:p14="http://schemas.microsoft.com/office/powerpoint/2010/main" xmlns="" val="1223694008"/>
+                <p14:modId xmlns="" xmlns:p14="http://schemas.microsoft.com/office/powerpoint/2010/main" val="1223694008"/>
               </p:ext>
             </p:extLst>
           </p:nvPr>
@@ -7873,28 +7823,28 @@
                 <a:gridCol w="2318386">
                   <a:extLst>
                     <a:ext uri="{9D8B030D-6E8A-4147-A177-3AD203B41FA5}">
-                      <a16:colId xmlns:a16="http://schemas.microsoft.com/office/drawing/2014/main" xmlns="" val="20000"/>
+                      <a16:colId xmlns="" xmlns:a16="http://schemas.microsoft.com/office/drawing/2014/main" val="20000"/>
                     </a:ext>
                   </a:extLst>
                 </a:gridCol>
                 <a:gridCol w="1872000">
                   <a:extLst>
                     <a:ext uri="{9D8B030D-6E8A-4147-A177-3AD203B41FA5}">
-                      <a16:colId xmlns:a16="http://schemas.microsoft.com/office/drawing/2014/main" xmlns="" val="20001"/>
+                      <a16:colId xmlns="" xmlns:a16="http://schemas.microsoft.com/office/drawing/2014/main" val="20001"/>
                     </a:ext>
                   </a:extLst>
                 </a:gridCol>
                 <a:gridCol w="1872000">
                   <a:extLst>
                     <a:ext uri="{9D8B030D-6E8A-4147-A177-3AD203B41FA5}">
-                      <a16:colId xmlns:a16="http://schemas.microsoft.com/office/drawing/2014/main" xmlns="" val="20003"/>
+                      <a16:colId xmlns="" xmlns:a16="http://schemas.microsoft.com/office/drawing/2014/main" val="20003"/>
                     </a:ext>
                   </a:extLst>
                 </a:gridCol>
                 <a:gridCol w="1872000">
                   <a:extLst>
                     <a:ext uri="{9D8B030D-6E8A-4147-A177-3AD203B41FA5}">
-                      <a16:colId xmlns:a16="http://schemas.microsoft.com/office/drawing/2014/main" xmlns="" val="20009"/>
+                      <a16:colId xmlns="" xmlns:a16="http://schemas.microsoft.com/office/drawing/2014/main" val="20009"/>
                     </a:ext>
                   </a:extLst>
                 </a:gridCol>
@@ -8314,7 +8264,7 @@
                 </a:tc>
                 <a:extLst>
                   <a:ext uri="{0D108BD9-81ED-4DB2-BD59-A6C34878D82A}">
-                    <a16:rowId xmlns:a16="http://schemas.microsoft.com/office/drawing/2014/main" xmlns="" val="10001"/>
+                    <a16:rowId xmlns="" xmlns:a16="http://schemas.microsoft.com/office/drawing/2014/main" val="10001"/>
                   </a:ext>
                 </a:extLst>
               </a:tr>
@@ -8467,7 +8417,7 @@
                 </a:tc>
                 <a:extLst>
                   <a:ext uri="{0D108BD9-81ED-4DB2-BD59-A6C34878D82A}">
-                    <a16:rowId xmlns:a16="http://schemas.microsoft.com/office/drawing/2014/main" xmlns="" val="10002"/>
+                    <a16:rowId xmlns="" xmlns:a16="http://schemas.microsoft.com/office/drawing/2014/main" val="10002"/>
                   </a:ext>
                 </a:extLst>
               </a:tr>
@@ -9411,7 +9361,7 @@
           <a:blip r:embed="rId2" cstate="print">
             <a:extLst>
               <a:ext uri="{28A0092B-C50C-407E-A947-70E740481C1C}">
-                <a14:useLocalDpi xmlns:a14="http://schemas.microsoft.com/office/drawing/2010/main" xmlns="" val="0"/>
+                <a14:useLocalDpi xmlns="" xmlns:a14="http://schemas.microsoft.com/office/drawing/2010/main" val="0"/>
               </a:ext>
             </a:extLst>
           </a:blip>
@@ -9434,7 +9384,7 @@
           <p:cNvPr id="2" name="직사각형 1">
             <a:extLst>
               <a:ext uri="{FF2B5EF4-FFF2-40B4-BE49-F238E27FC236}">
-                <a16:creationId xmlns:a16="http://schemas.microsoft.com/office/drawing/2014/main" xmlns="" id="{BECE05B4-F2F8-E933-52D0-A00C5E48AD93}"/>
+                <a16:creationId xmlns="" xmlns:a16="http://schemas.microsoft.com/office/drawing/2014/main" id="{BECE05B4-F2F8-E933-52D0-A00C5E48AD93}"/>
               </a:ext>
             </a:extLst>
           </p:cNvPr>
@@ -9506,7 +9456,7 @@
           <p:cNvPr id="5" name="직사각형 4">
             <a:extLst>
               <a:ext uri="{FF2B5EF4-FFF2-40B4-BE49-F238E27FC236}">
-                <a16:creationId xmlns:a16="http://schemas.microsoft.com/office/drawing/2014/main" xmlns="" id="{ED9EE3C2-D821-8C10-CCCA-BCBCA5789CA0}"/>
+                <a16:creationId xmlns="" xmlns:a16="http://schemas.microsoft.com/office/drawing/2014/main" id="{ED9EE3C2-D821-8C10-CCCA-BCBCA5789CA0}"/>
               </a:ext>
             </a:extLst>
           </p:cNvPr>
@@ -9578,7 +9528,7 @@
           <p:cNvPr id="14" name="직사각형 13">
             <a:extLst>
               <a:ext uri="{FF2B5EF4-FFF2-40B4-BE49-F238E27FC236}">
-                <a16:creationId xmlns:a16="http://schemas.microsoft.com/office/drawing/2014/main" xmlns="" id="{BF02E885-ACB3-1084-57AC-EA21A59F8EA6}"/>
+                <a16:creationId xmlns="" xmlns:a16="http://schemas.microsoft.com/office/drawing/2014/main" id="{BF02E885-ACB3-1084-57AC-EA21A59F8EA6}"/>
               </a:ext>
             </a:extLst>
           </p:cNvPr>
@@ -9650,7 +9600,7 @@
           <p:cNvPr id="20" name="직사각형 19">
             <a:extLst>
               <a:ext uri="{FF2B5EF4-FFF2-40B4-BE49-F238E27FC236}">
-                <a16:creationId xmlns:a16="http://schemas.microsoft.com/office/drawing/2014/main" xmlns="" id="{60177F45-2C2E-F507-2271-3DF08384C044}"/>
+                <a16:creationId xmlns="" xmlns:a16="http://schemas.microsoft.com/office/drawing/2014/main" id="{60177F45-2C2E-F507-2271-3DF08384C044}"/>
               </a:ext>
             </a:extLst>
           </p:cNvPr>
@@ -9722,7 +9672,7 @@
           <p:cNvPr id="21" name="직사각형 20">
             <a:extLst>
               <a:ext uri="{FF2B5EF4-FFF2-40B4-BE49-F238E27FC236}">
-                <a16:creationId xmlns:a16="http://schemas.microsoft.com/office/drawing/2014/main" xmlns="" id="{0C8AD6E3-C41B-5A09-3AD6-83CBE395AC6D}"/>
+                <a16:creationId xmlns="" xmlns:a16="http://schemas.microsoft.com/office/drawing/2014/main" id="{0C8AD6E3-C41B-5A09-3AD6-83CBE395AC6D}"/>
               </a:ext>
             </a:extLst>
           </p:cNvPr>
@@ -9794,7 +9744,7 @@
           <p:cNvPr id="22" name="직사각형 21">
             <a:extLst>
               <a:ext uri="{FF2B5EF4-FFF2-40B4-BE49-F238E27FC236}">
-                <a16:creationId xmlns:a16="http://schemas.microsoft.com/office/drawing/2014/main" xmlns="" id="{2E9D7D50-E1BF-39DA-3574-A41273EC79DD}"/>
+                <a16:creationId xmlns="" xmlns:a16="http://schemas.microsoft.com/office/drawing/2014/main" id="{2E9D7D50-E1BF-39DA-3574-A41273EC79DD}"/>
               </a:ext>
             </a:extLst>
           </p:cNvPr>
@@ -9866,7 +9816,7 @@
           <p:cNvPr id="32" name="직사각형 31">
             <a:extLst>
               <a:ext uri="{FF2B5EF4-FFF2-40B4-BE49-F238E27FC236}">
-                <a16:creationId xmlns:a16="http://schemas.microsoft.com/office/drawing/2014/main" xmlns="" id="{2E9D7D50-E1BF-39DA-3574-A41273EC79DD}"/>
+                <a16:creationId xmlns="" xmlns:a16="http://schemas.microsoft.com/office/drawing/2014/main" id="{2E9D7D50-E1BF-39DA-3574-A41273EC79DD}"/>
               </a:ext>
             </a:extLst>
           </p:cNvPr>
@@ -9938,7 +9888,7 @@
           <p:cNvPr id="33" name="직사각형 32">
             <a:extLst>
               <a:ext uri="{FF2B5EF4-FFF2-40B4-BE49-F238E27FC236}">
-                <a16:creationId xmlns:a16="http://schemas.microsoft.com/office/drawing/2014/main" xmlns="" id="{2E9D7D50-E1BF-39DA-3574-A41273EC79DD}"/>
+                <a16:creationId xmlns="" xmlns:a16="http://schemas.microsoft.com/office/drawing/2014/main" id="{2E9D7D50-E1BF-39DA-3574-A41273EC79DD}"/>
               </a:ext>
             </a:extLst>
           </p:cNvPr>
@@ -10010,7 +9960,7 @@
           <p:cNvPr id="34" name="직사각형 33">
             <a:extLst>
               <a:ext uri="{FF2B5EF4-FFF2-40B4-BE49-F238E27FC236}">
-                <a16:creationId xmlns:a16="http://schemas.microsoft.com/office/drawing/2014/main" xmlns="" id="{2E9D7D50-E1BF-39DA-3574-A41273EC79DD}"/>
+                <a16:creationId xmlns="" xmlns:a16="http://schemas.microsoft.com/office/drawing/2014/main" id="{2E9D7D50-E1BF-39DA-3574-A41273EC79DD}"/>
               </a:ext>
             </a:extLst>
           </p:cNvPr>
@@ -10082,7 +10032,7 @@
           <p:cNvPr id="35" name="직사각형 34">
             <a:extLst>
               <a:ext uri="{FF2B5EF4-FFF2-40B4-BE49-F238E27FC236}">
-                <a16:creationId xmlns:a16="http://schemas.microsoft.com/office/drawing/2014/main" xmlns="" id="{2E9D7D50-E1BF-39DA-3574-A41273EC79DD}"/>
+                <a16:creationId xmlns="" xmlns:a16="http://schemas.microsoft.com/office/drawing/2014/main" id="{2E9D7D50-E1BF-39DA-3574-A41273EC79DD}"/>
               </a:ext>
             </a:extLst>
           </p:cNvPr>
@@ -10152,7 +10102,7 @@
     </p:spTree>
     <p:extLst>
       <p:ext uri="{BB962C8B-B14F-4D97-AF65-F5344CB8AC3E}">
-        <p14:creationId xmlns:p14="http://schemas.microsoft.com/office/powerpoint/2010/main" xmlns="" val="2842921064"/>
+        <p14:creationId xmlns="" xmlns:p14="http://schemas.microsoft.com/office/powerpoint/2010/main" val="2842921064"/>
       </p:ext>
     </p:extLst>
   </p:cSld>
